--- a/ppt/Java_concurrency.pptx
+++ b/ppt/Java_concurrency.pptx
@@ -28,6 +28,17 @@
     <p:sldId id="273" r:id="rId25"/>
     <p:sldId id="274" r:id="rId26"/>
     <p:sldId id="275" r:id="rId27"/>
+    <p:sldId id="276" r:id="rId28"/>
+    <p:sldId id="277" r:id="rId29"/>
+    <p:sldId id="278" r:id="rId30"/>
+    <p:sldId id="279" r:id="rId31"/>
+    <p:sldId id="280" r:id="rId32"/>
+    <p:sldId id="281" r:id="rId33"/>
+    <p:sldId id="282" r:id="rId34"/>
+    <p:sldId id="283" r:id="rId35"/>
+    <p:sldId id="284" r:id="rId36"/>
+    <p:sldId id="285" r:id="rId37"/>
+    <p:sldId id="286" r:id="rId38"/>
   </p:sldIdLst>
   <p:sldSz cx="13004800" cy="9753600"/>
   <p:notesSz cx="6858000" cy="9144000"/>
@@ -1962,14 +1973,14 @@
       </p:grpSpPr>
       <p:sp>
         <p:nvSpPr>
-          <p:cNvPr id="70" name="Shape 70"/>
+          <p:cNvPr id="71" name="Shape 71"/>
           <p:cNvSpPr/>
           <p:nvPr/>
         </p:nvSpPr>
         <p:spPr>
           <a:xfrm>
-            <a:off x="4869738" y="689252"/>
-            <a:ext cx="3265324" cy="647701"/>
+            <a:off x="948842" y="1092199"/>
+            <a:ext cx="6179516" cy="1739901"/>
           </a:xfrm>
           <a:prstGeom prst="rect">
             <a:avLst/>
@@ -1994,73 +2005,27 @@
             </a:pPr>
             <a:r>
               <a:rPr sz="3600"/>
-              <a:t>BlockingQueue</a:t>
-            </a:r>
-          </a:p>
-        </p:txBody>
-      </p:sp>
-      <p:pic>
-        <p:nvPicPr>
-          <p:cNvPr id="71" name="queue.png"/>
-          <p:cNvPicPr/>
-          <p:nvPr/>
-        </p:nvPicPr>
-        <p:blipFill>
-          <a:blip r:embed="rId2">
-            <a:extLst/>
-          </a:blip>
-          <a:stretch>
-            <a:fillRect/>
-          </a:stretch>
-        </p:blipFill>
-        <p:spPr>
-          <a:xfrm>
-            <a:off x="3575050" y="4205567"/>
-            <a:ext cx="5854700" cy="2235201"/>
-          </a:xfrm>
-          <a:prstGeom prst="rect">
-            <a:avLst/>
-          </a:prstGeom>
-          <a:ln w="12700">
-            <a:miter lim="400000"/>
-          </a:ln>
-        </p:spPr>
-      </p:pic>
-      <p:sp>
-        <p:nvSpPr>
-          <p:cNvPr id="72" name="Shape 72"/>
-          <p:cNvSpPr/>
-          <p:nvPr/>
-        </p:nvSpPr>
-        <p:spPr>
-          <a:xfrm>
-            <a:off x="1540865" y="2129254"/>
-            <a:ext cx="9923070" cy="647701"/>
-          </a:xfrm>
-          <a:prstGeom prst="rect">
-            <a:avLst/>
-          </a:prstGeom>
-          <a:ln w="12700">
-            <a:miter lim="400000"/>
-          </a:ln>
-          <a:extLst>
-            <a:ext uri="{C572A759-6A51-4108-AA02-DFA0A04FC94B}">
-              <ma14:wrappingTextBoxFlag xmlns:ma14="http://schemas.microsoft.com/office/mac/drawingml/2011/main" val="1"/>
-            </a:ext>
-          </a:extLst>
-        </p:spPr>
-        <p:txBody>
-          <a:bodyPr wrap="none" lIns="50800" tIns="50800" rIns="50800" bIns="50800" anchor="ctr">
-            <a:spAutoFit/>
-          </a:bodyPr>
-          <a:lstStyle/>
-          <a:p>
-            <a:pPr lvl="0">
+              <a:t>(2):Lock</a:t>
+            </a:r>
+            <a:endParaRPr sz="3600"/>
+          </a:p>
+          <a:p>
+            <a:pPr lvl="2">
               <a:defRPr sz="1800"/>
             </a:pPr>
             <a:r>
               <a:rPr sz="3600"/>
-              <a:t>A queue that can be blocked when full or empty</a:t>
+              <a:t>    ReentrantLock</a:t>
+            </a:r>
+            <a:endParaRPr sz="3600"/>
+          </a:p>
+          <a:p>
+            <a:pPr lvl="2">
+              <a:defRPr sz="1800"/>
+            </a:pPr>
+            <a:r>
+              <a:rPr sz="3600"/>
+              <a:t>    ReentrantReadWriteLock</a:t>
             </a:r>
           </a:p>
         </p:txBody>
@@ -2091,9 +2056,1649 @@
           <a:chExt cx="0" cy="0"/>
         </a:xfrm>
       </p:grpSpPr>
+      <p:sp>
+        <p:nvSpPr>
+          <p:cNvPr id="73" name="Shape 73"/>
+          <p:cNvSpPr/>
+          <p:nvPr/>
+        </p:nvSpPr>
+        <p:spPr>
+          <a:xfrm>
+            <a:off x="1685475" y="825500"/>
+            <a:ext cx="6789421" cy="1193801"/>
+          </a:xfrm>
+          <a:prstGeom prst="rect">
+            <a:avLst/>
+          </a:prstGeom>
+          <a:ln w="12700">
+            <a:miter lim="400000"/>
+          </a:ln>
+          <a:extLst>
+            <a:ext uri="{C572A759-6A51-4108-AA02-DFA0A04FC94B}">
+              <ma14:wrappingTextBoxFlag xmlns:ma14="http://schemas.microsoft.com/office/mac/drawingml/2011/main" val="1"/>
+            </a:ext>
+          </a:extLst>
+        </p:spPr>
+        <p:txBody>
+          <a:bodyPr wrap="none" lIns="50800" tIns="50800" rIns="50800" bIns="50800" anchor="ctr">
+            <a:spAutoFit/>
+          </a:bodyPr>
+          <a:lstStyle/>
+          <a:p>
+            <a:pPr lvl="0">
+              <a:defRPr sz="1800"/>
+            </a:pPr>
+            <a:r>
+              <a:rPr sz="3600"/>
+              <a:t>ReentrantLock vs synchronized </a:t>
+            </a:r>
+            <a:endParaRPr sz="3600"/>
+          </a:p>
+        </p:txBody>
+      </p:sp>
       <p:graphicFrame>
         <p:nvGraphicFramePr>
           <p:cNvPr id="74" name="Table 74"/>
+          <p:cNvGraphicFramePr/>
+          <p:nvPr/>
+        </p:nvGraphicFramePr>
+        <p:xfrm>
+          <a:off x="1358900" y="2035522"/>
+          <a:ext cx="9436249" cy="5695256"/>
+        </p:xfrm>
+        <a:graphic xmlns:a="http://schemas.openxmlformats.org/drawingml/2006/main">
+          <a:graphicData uri="http://schemas.openxmlformats.org/drawingml/2006/table">
+            <a:tbl>
+              <a:tblPr firstCol="0" firstRow="0" lastCol="0" lastRow="0" bandCol="0" bandRow="0" rtl="0">
+                <a:tableStyleId>{CF821DB8-F4EB-4A41-A1BA-3FCAFE7338EE}</a:tableStyleId>
+              </a:tblPr>
+              <a:tblGrid>
+                <a:gridCol w="4711774"/>
+                <a:gridCol w="4711774"/>
+              </a:tblGrid>
+              <a:tr h="1136510">
+                <a:tc>
+                  <a:txBody>
+                    <a:bodyPr/>
+                    <a:lstStyle/>
+                    <a:p>
+                      <a:pPr lvl="0"/>
+                      <a:r>
+                        <a:rPr sz="3600"/>
+                        <a:t>advantange</a:t>
+                      </a:r>
+                    </a:p>
+                  </a:txBody>
+                  <a:tcPr marL="50800" marR="50800" marT="50800" marB="50800" anchor="ctr" anchorCtr="0" horzOverflow="overflow"/>
+                </a:tc>
+                <a:tc>
+                  <a:txBody>
+                    <a:bodyPr/>
+                    <a:lstStyle/>
+                    <a:p>
+                      <a:pPr lvl="0"/>
+                      <a:r>
+                        <a:rPr sz="3600"/>
+                        <a:t>disadvantage</a:t>
+                      </a:r>
+                    </a:p>
+                  </a:txBody>
+                  <a:tcPr marL="50800" marR="50800" marT="50800" marB="50800" anchor="ctr" anchorCtr="0" horzOverflow="overflow"/>
+                </a:tc>
+              </a:tr>
+              <a:tr h="1136510">
+                <a:tc>
+                  <a:txBody>
+                    <a:bodyPr/>
+                    <a:lstStyle/>
+                    <a:p>
+                      <a:pPr lvl="0" defTabSz="914400"/>
+                      <a:r>
+                        <a:rPr sz="2600"/>
+                        <a:t>		ability to interrupt </a:t>
+                      </a:r>
+                      <a:br>
+                        <a:rPr sz="2600"/>
+                      </a:br>
+                      <a:endParaRPr sz="2600"/>
+                    </a:p>
+                  </a:txBody>
+                  <a:tcPr marL="50800" marR="50800" marT="50800" marB="50800" anchor="ctr" anchorCtr="0" horzOverflow="overflow"/>
+                </a:tc>
+                <a:tc rowSpan="4">
+                  <a:txBody>
+                    <a:bodyPr/>
+                    <a:lstStyle/>
+                    <a:p>
+                      <a:pPr lvl="0" defTabSz="914400"/>
+                      <a:r>
+                        <a:rPr sz="2600"/>
+                        <a:t>	acquiring and releasing lock 
+complicated code</a:t>
+                      </a:r>
+                    </a:p>
+                  </a:txBody>
+                  <a:tcPr marL="50800" marR="50800" marT="50800" marB="50800" anchor="ctr" anchorCtr="0" horzOverflow="overflow"/>
+                </a:tc>
+              </a:tr>
+              <a:tr h="1136510">
+                <a:tc>
+                  <a:txBody>
+                    <a:bodyPr/>
+                    <a:lstStyle/>
+                    <a:p>
+                      <a:pPr lvl="0" defTabSz="914400"/>
+                      <a:r>
+                        <a:rPr sz="2600"/>
+                        <a:t>		a timeout on waiting for lock </a:t>
+                      </a:r>
+                      <a:br>
+                        <a:rPr sz="2600"/>
+                      </a:br>
+                      <a:endParaRPr sz="2600"/>
+                    </a:p>
+                  </a:txBody>
+                  <a:tcPr marL="50800" marR="50800" marT="50800" marB="50800" anchor="ctr" anchorCtr="0" horzOverflow="overflow"/>
+                </a:tc>
+                <a:tc vMerge="1">
+                  <a:tcPr/>
+                </a:tc>
+              </a:tr>
+              <a:tr h="1136510">
+                <a:tc>
+                  <a:txBody>
+                    <a:bodyPr/>
+                    <a:lstStyle/>
+                    <a:p>
+                      <a:pPr lvl="0" defTabSz="914400"/>
+                      <a:r>
+                        <a:rPr sz="2600"/>
+                        <a:t>		support fairness </a:t>
+                      </a:r>
+                      <a:br>
+                        <a:rPr sz="2600"/>
+                      </a:br>
+                      <a:endParaRPr sz="2600"/>
+                    </a:p>
+                  </a:txBody>
+                  <a:tcPr marL="50800" marR="50800" marT="50800" marB="50800" anchor="ctr" anchorCtr="0" horzOverflow="overflow"/>
+                </a:tc>
+                <a:tc vMerge="1">
+                  <a:tcPr/>
+                </a:tc>
+              </a:tr>
+              <a:tr h="1136510">
+                <a:tc>
+                  <a:txBody>
+                    <a:bodyPr/>
+                    <a:lstStyle/>
+                    <a:p>
+                      <a:pPr lvl="0" defTabSz="914400"/>
+                      <a:r>
+                        <a:rPr sz="2600"/>
+                        <a:t>		get List of all threads </a:t>
+                      </a:r>
+                      <a:br>
+                        <a:rPr sz="2600"/>
+                      </a:br>
+                      <a:r>
+                        <a:rPr sz="2600"/>
+                        <a:t>waiting for lock</a:t>
+                      </a:r>
+                      <a:br>
+                        <a:rPr sz="2600"/>
+                      </a:br>
+                      <a:br>
+                        <a:rPr sz="2600"/>
+                      </a:br>
+                      <a:endParaRPr sz="2600"/>
+                    </a:p>
+                  </a:txBody>
+                  <a:tcPr marL="50800" marR="50800" marT="50800" marB="50800" anchor="ctr" anchorCtr="0" horzOverflow="overflow"/>
+                </a:tc>
+                <a:tc vMerge="1">
+                  <a:tcPr/>
+                </a:tc>
+              </a:tr>
+            </a:tbl>
+          </a:graphicData>
+        </a:graphic>
+      </p:graphicFrame>
+    </p:spTree>
+  </p:cSld>
+  <p:clrMapOvr>
+    <a:masterClrMapping/>
+  </p:clrMapOvr>
+  <p:transition spd="med" advClick="1"/>
+</p:sld>
+</file>
+
+<file path=ppt/slides/slide12.xml><?xml version="1.0" encoding="utf-8"?>
+<p:sld xmlns:a="http://schemas.openxmlformats.org/drawingml/2006/main" xmlns:r="http://schemas.openxmlformats.org/officeDocument/2006/relationships" xmlns:p="http://schemas.openxmlformats.org/presentationml/2006/main" showMasterSp="1" showMasterPhAnim="1">
+  <p:cSld>
+    <p:spTree>
+      <p:nvGrpSpPr>
+        <p:cNvPr id="1" name=""/>
+        <p:cNvGrpSpPr/>
+        <p:nvPr/>
+      </p:nvGrpSpPr>
+      <p:grpSpPr>
+        <a:xfrm>
+          <a:off x="0" y="0"/>
+          <a:ext cx="0" cy="0"/>
+          <a:chOff x="0" y="0"/>
+          <a:chExt cx="0" cy="0"/>
+        </a:xfrm>
+      </p:grpSpPr>
+      <p:sp>
+        <p:nvSpPr>
+          <p:cNvPr id="76" name="Shape 76"/>
+          <p:cNvSpPr/>
+          <p:nvPr/>
+        </p:nvSpPr>
+        <p:spPr>
+          <a:xfrm>
+            <a:off x="2879318" y="812800"/>
+            <a:ext cx="7728967" cy="647701"/>
+          </a:xfrm>
+          <a:prstGeom prst="rect">
+            <a:avLst/>
+          </a:prstGeom>
+          <a:ln w="12700">
+            <a:miter lim="400000"/>
+          </a:ln>
+          <a:extLst>
+            <a:ext uri="{C572A759-6A51-4108-AA02-DFA0A04FC94B}">
+              <ma14:wrappingTextBoxFlag xmlns:ma14="http://schemas.microsoft.com/office/mac/drawingml/2011/main" val="1"/>
+            </a:ext>
+          </a:extLst>
+        </p:spPr>
+        <p:txBody>
+          <a:bodyPr wrap="none" lIns="50800" tIns="50800" rIns="50800" bIns="50800" anchor="ctr">
+            <a:spAutoFit/>
+          </a:bodyPr>
+          <a:lstStyle/>
+          <a:p>
+            <a:pPr lvl="0">
+              <a:defRPr sz="1800"/>
+            </a:pPr>
+            <a:r>
+              <a:rPr sz="3600"/>
+              <a:t>basic synchronisation helpful classes</a:t>
+            </a:r>
+          </a:p>
+        </p:txBody>
+      </p:sp>
+      <p:sp>
+        <p:nvSpPr>
+          <p:cNvPr id="77" name="Shape 77"/>
+          <p:cNvSpPr/>
+          <p:nvPr/>
+        </p:nvSpPr>
+        <p:spPr>
+          <a:xfrm>
+            <a:off x="1298100" y="1940905"/>
+            <a:ext cx="4459530" cy="3378201"/>
+          </a:xfrm>
+          <a:prstGeom prst="rect">
+            <a:avLst/>
+          </a:prstGeom>
+          <a:ln w="12700">
+            <a:miter lim="400000"/>
+          </a:ln>
+          <a:extLst>
+            <a:ext uri="{C572A759-6A51-4108-AA02-DFA0A04FC94B}">
+              <ma14:wrappingTextBoxFlag xmlns:ma14="http://schemas.microsoft.com/office/mac/drawingml/2011/main" val="1"/>
+            </a:ext>
+          </a:extLst>
+        </p:spPr>
+        <p:txBody>
+          <a:bodyPr wrap="none" lIns="50800" tIns="50800" rIns="50800" bIns="50800" anchor="ctr">
+            <a:spAutoFit/>
+          </a:bodyPr>
+          <a:lstStyle/>
+          <a:p>
+            <a:pPr lvl="0">
+              <a:defRPr sz="1800"/>
+            </a:pPr>
+            <a:r>
+              <a:rPr sz="3600"/>
+              <a:t>(1):Semaphore</a:t>
+            </a:r>
+            <a:endParaRPr sz="3600"/>
+          </a:p>
+          <a:p>
+            <a:pPr lvl="0">
+              <a:defRPr sz="1800"/>
+            </a:pPr>
+            <a:r>
+              <a:rPr sz="3600"/>
+              <a:t>(2):CountDownLatch</a:t>
+            </a:r>
+            <a:endParaRPr sz="3600"/>
+          </a:p>
+          <a:p>
+            <a:pPr lvl="0">
+              <a:defRPr sz="1800"/>
+            </a:pPr>
+            <a:r>
+              <a:rPr sz="3600"/>
+              <a:t>(3):CyclicBarrier</a:t>
+            </a:r>
+            <a:endParaRPr sz="3600"/>
+          </a:p>
+          <a:p>
+            <a:pPr lvl="0">
+              <a:defRPr sz="1800"/>
+            </a:pPr>
+            <a:r>
+              <a:rPr sz="3600"/>
+              <a:t>(4):Exchanger</a:t>
+            </a:r>
+            <a:endParaRPr sz="3600"/>
+          </a:p>
+          <a:p>
+            <a:pPr lvl="0">
+              <a:defRPr sz="1800"/>
+            </a:pPr>
+            <a:r>
+              <a:rPr sz="3600"/>
+              <a:t>(5):Phaser(JDK 1.7)</a:t>
+            </a:r>
+            <a:endParaRPr sz="3600"/>
+          </a:p>
+        </p:txBody>
+      </p:sp>
+    </p:spTree>
+  </p:cSld>
+  <p:clrMapOvr>
+    <a:masterClrMapping/>
+  </p:clrMapOvr>
+  <p:transition spd="med" advClick="1"/>
+</p:sld>
+</file>
+
+<file path=ppt/slides/slide13.xml><?xml version="1.0" encoding="utf-8"?>
+<p:sld xmlns:a="http://schemas.openxmlformats.org/drawingml/2006/main" xmlns:r="http://schemas.openxmlformats.org/officeDocument/2006/relationships" xmlns:p="http://schemas.openxmlformats.org/presentationml/2006/main" showMasterSp="1" showMasterPhAnim="1">
+  <p:cSld>
+    <p:spTree>
+      <p:nvGrpSpPr>
+        <p:cNvPr id="1" name=""/>
+        <p:cNvGrpSpPr/>
+        <p:nvPr/>
+      </p:nvGrpSpPr>
+      <p:grpSpPr>
+        <a:xfrm>
+          <a:off x="0" y="0"/>
+          <a:ext cx="0" cy="0"/>
+          <a:chOff x="0" y="0"/>
+          <a:chExt cx="0" cy="0"/>
+        </a:xfrm>
+      </p:grpSpPr>
+      <p:sp>
+        <p:nvSpPr>
+          <p:cNvPr id="79" name="Shape 79"/>
+          <p:cNvSpPr/>
+          <p:nvPr/>
+        </p:nvSpPr>
+        <p:spPr>
+          <a:xfrm>
+            <a:off x="209397" y="2244600"/>
+            <a:ext cx="13014656" cy="5063822"/>
+          </a:xfrm>
+          <a:prstGeom prst="rect">
+            <a:avLst/>
+          </a:prstGeom>
+          <a:ln w="12700">
+            <a:miter lim="400000"/>
+          </a:ln>
+          <a:extLst>
+            <a:ext uri="{C572A759-6A51-4108-AA02-DFA0A04FC94B}">
+              <ma14:wrappingTextBoxFlag xmlns:ma14="http://schemas.microsoft.com/office/mac/drawingml/2011/main" val="1"/>
+            </a:ext>
+          </a:extLst>
+        </p:spPr>
+        <p:txBody>
+          <a:bodyPr wrap="none" lIns="50800" tIns="50800" rIns="50800" bIns="50800" anchor="ctr">
+            <a:spAutoFit/>
+          </a:bodyPr>
+          <a:lstStyle/>
+          <a:p>
+            <a:pPr lvl="0">
+              <a:defRPr sz="1800"/>
+            </a:pPr>
+            <a:r>
+              <a:rPr sz="3600"/>
+              <a:t>Invented by the famous Dutch computer scientist Edsger Dijkstra in 1965 </a:t>
+            </a:r>
+            <a:endParaRPr sz="3600"/>
+          </a:p>
+          <a:p>
+            <a:pPr lvl="0">
+              <a:defRPr sz="1800"/>
+            </a:pPr>
+            <a:endParaRPr sz="3600"/>
+          </a:p>
+          <a:p>
+            <a:pPr lvl="0">
+              <a:defRPr sz="1800"/>
+            </a:pPr>
+            <a:r>
+              <a:rPr sz="3600"/>
+              <a:t>In Java, it is called counting semaphore, which maintains a set of permits (Semaphore value)</a:t>
+            </a:r>
+            <a:endParaRPr sz="3600"/>
+          </a:p>
+          <a:p>
+            <a:pPr lvl="0">
+              <a:defRPr sz="1800"/>
+            </a:pPr>
+            <a:endParaRPr sz="3600"/>
+          </a:p>
+          <a:p>
+            <a:pPr lvl="0">
+              <a:defRPr sz="1800"/>
+            </a:pPr>
+            <a:r>
+              <a:rPr sz="3600"/>
+              <a:t>In Java, set the value to 1 and can be used as lock </a:t>
+            </a:r>
+            <a:endParaRPr sz="3600"/>
+          </a:p>
+          <a:p>
+            <a:pPr lvl="0">
+              <a:defRPr sz="1800"/>
+            </a:pPr>
+            <a:r>
+              <a:rPr sz="3600"/>
+              <a:t>		􏰀  </a:t>
+            </a:r>
+            <a:endParaRPr sz="3600"/>
+          </a:p>
+        </p:txBody>
+      </p:sp>
+      <p:sp>
+        <p:nvSpPr>
+          <p:cNvPr id="80" name="Shape 80"/>
+          <p:cNvSpPr/>
+          <p:nvPr/>
+        </p:nvSpPr>
+        <p:spPr>
+          <a:xfrm>
+            <a:off x="825220" y="781050"/>
+            <a:ext cx="3154681" cy="647701"/>
+          </a:xfrm>
+          <a:prstGeom prst="rect">
+            <a:avLst/>
+          </a:prstGeom>
+          <a:ln w="12700">
+            <a:miter lim="400000"/>
+          </a:ln>
+          <a:extLst>
+            <a:ext uri="{C572A759-6A51-4108-AA02-DFA0A04FC94B}">
+              <ma14:wrappingTextBoxFlag xmlns:ma14="http://schemas.microsoft.com/office/mac/drawingml/2011/main" val="1"/>
+            </a:ext>
+          </a:extLst>
+        </p:spPr>
+        <p:txBody>
+          <a:bodyPr wrap="none" lIns="50800" tIns="50800" rIns="50800" bIns="50800" anchor="ctr">
+            <a:spAutoFit/>
+          </a:bodyPr>
+          <a:lstStyle/>
+          <a:p>
+            <a:pPr lvl="0">
+              <a:defRPr sz="1800"/>
+            </a:pPr>
+            <a:r>
+              <a:rPr sz="3600"/>
+              <a:t>(1):Semaphore</a:t>
+            </a:r>
+          </a:p>
+        </p:txBody>
+      </p:sp>
+    </p:spTree>
+  </p:cSld>
+  <p:clrMapOvr>
+    <a:masterClrMapping/>
+  </p:clrMapOvr>
+  <p:transition spd="med" advClick="1"/>
+</p:sld>
+</file>
+
+<file path=ppt/slides/slide14.xml><?xml version="1.0" encoding="utf-8"?>
+<p:sld xmlns:a="http://schemas.openxmlformats.org/drawingml/2006/main" xmlns:r="http://schemas.openxmlformats.org/officeDocument/2006/relationships" xmlns:p="http://schemas.openxmlformats.org/presentationml/2006/main" showMasterSp="1" showMasterPhAnim="1">
+  <p:cSld>
+    <p:spTree>
+      <p:nvGrpSpPr>
+        <p:cNvPr id="1" name=""/>
+        <p:cNvGrpSpPr/>
+        <p:nvPr/>
+      </p:nvGrpSpPr>
+      <p:grpSpPr>
+        <a:xfrm>
+          <a:off x="0" y="0"/>
+          <a:ext cx="0" cy="0"/>
+          <a:chOff x="0" y="0"/>
+          <a:chExt cx="0" cy="0"/>
+        </a:xfrm>
+      </p:grpSpPr>
+      <p:sp>
+        <p:nvSpPr>
+          <p:cNvPr id="82" name="Shape 82"/>
+          <p:cNvSpPr/>
+          <p:nvPr/>
+        </p:nvSpPr>
+        <p:spPr>
+          <a:xfrm>
+            <a:off x="736750" y="661475"/>
+            <a:ext cx="5314037" cy="1193801"/>
+          </a:xfrm>
+          <a:prstGeom prst="rect">
+            <a:avLst/>
+          </a:prstGeom>
+          <a:ln w="12700">
+            <a:miter lim="400000"/>
+          </a:ln>
+          <a:extLst>
+            <a:ext uri="{C572A759-6A51-4108-AA02-DFA0A04FC94B}">
+              <ma14:wrappingTextBoxFlag xmlns:ma14="http://schemas.microsoft.com/office/mac/drawingml/2011/main" val="1"/>
+            </a:ext>
+          </a:extLst>
+        </p:spPr>
+        <p:txBody>
+          <a:bodyPr wrap="none" lIns="50800" tIns="50800" rIns="50800" bIns="50800" anchor="ctr">
+            <a:spAutoFit/>
+          </a:bodyPr>
+          <a:lstStyle/>
+          <a:p>
+            <a:pPr lvl="0">
+              <a:defRPr sz="1800"/>
+            </a:pPr>
+            <a:r>
+              <a:rPr sz="3600"/>
+              <a:t>How Semaphore works? </a:t>
+            </a:r>
+            <a:endParaRPr sz="3600"/>
+          </a:p>
+        </p:txBody>
+      </p:sp>
+      <p:pic>
+        <p:nvPicPr>
+          <p:cNvPr id="83" name="pasted-image.png"/>
+          <p:cNvPicPr/>
+          <p:nvPr/>
+        </p:nvPicPr>
+        <p:blipFill>
+          <a:blip r:embed="rId2">
+            <a:extLst/>
+          </a:blip>
+          <a:stretch>
+            <a:fillRect/>
+          </a:stretch>
+        </p:blipFill>
+        <p:spPr>
+          <a:xfrm>
+            <a:off x="512260" y="1422399"/>
+            <a:ext cx="11239501" cy="6908801"/>
+          </a:xfrm>
+          <a:prstGeom prst="rect">
+            <a:avLst/>
+          </a:prstGeom>
+          <a:ln w="12700">
+            <a:miter lim="400000"/>
+          </a:ln>
+        </p:spPr>
+      </p:pic>
+    </p:spTree>
+  </p:cSld>
+  <p:clrMapOvr>
+    <a:masterClrMapping/>
+  </p:clrMapOvr>
+  <p:transition spd="med" advClick="1"/>
+</p:sld>
+</file>
+
+<file path=ppt/slides/slide15.xml><?xml version="1.0" encoding="utf-8"?>
+<p:sld xmlns:a="http://schemas.openxmlformats.org/drawingml/2006/main" xmlns:r="http://schemas.openxmlformats.org/officeDocument/2006/relationships" xmlns:p="http://schemas.openxmlformats.org/presentationml/2006/main" showMasterSp="1" showMasterPhAnim="1">
+  <p:cSld>
+    <p:spTree>
+      <p:nvGrpSpPr>
+        <p:cNvPr id="1" name=""/>
+        <p:cNvGrpSpPr/>
+        <p:nvPr/>
+      </p:nvGrpSpPr>
+      <p:grpSpPr>
+        <a:xfrm>
+          <a:off x="0" y="0"/>
+          <a:ext cx="0" cy="0"/>
+          <a:chOff x="0" y="0"/>
+          <a:chExt cx="0" cy="0"/>
+        </a:xfrm>
+      </p:grpSpPr>
+      <p:sp>
+        <p:nvSpPr>
+          <p:cNvPr id="85" name="Shape 85"/>
+          <p:cNvSpPr/>
+          <p:nvPr/>
+        </p:nvSpPr>
+        <p:spPr>
+          <a:xfrm>
+            <a:off x="882143" y="405052"/>
+            <a:ext cx="4459530" cy="1193801"/>
+          </a:xfrm>
+          <a:prstGeom prst="rect">
+            <a:avLst/>
+          </a:prstGeom>
+          <a:ln w="12700">
+            <a:miter lim="400000"/>
+          </a:ln>
+          <a:extLst>
+            <a:ext uri="{C572A759-6A51-4108-AA02-DFA0A04FC94B}">
+              <ma14:wrappingTextBoxFlag xmlns:ma14="http://schemas.microsoft.com/office/mac/drawingml/2011/main" val="1"/>
+            </a:ext>
+          </a:extLst>
+        </p:spPr>
+        <p:txBody>
+          <a:bodyPr wrap="none" lIns="50800" tIns="50800" rIns="50800" bIns="50800" anchor="ctr">
+            <a:spAutoFit/>
+          </a:bodyPr>
+          <a:lstStyle/>
+          <a:p>
+            <a:pPr lvl="0">
+              <a:defRPr sz="1800"/>
+            </a:pPr>
+            <a:r>
+              <a:rPr sz="3600"/>
+              <a:t>(2):CountDownLatch</a:t>
+            </a:r>
+            <a:endParaRPr sz="3600"/>
+          </a:p>
+        </p:txBody>
+      </p:sp>
+      <p:sp>
+        <p:nvSpPr>
+          <p:cNvPr id="86" name="Shape 86"/>
+          <p:cNvSpPr/>
+          <p:nvPr/>
+        </p:nvSpPr>
+        <p:spPr>
+          <a:xfrm>
+            <a:off x="610006" y="2511057"/>
+            <a:ext cx="11784788" cy="647701"/>
+          </a:xfrm>
+          <a:prstGeom prst="rect">
+            <a:avLst/>
+          </a:prstGeom>
+          <a:ln w="12700">
+            <a:miter lim="400000"/>
+          </a:ln>
+          <a:extLst>
+            <a:ext uri="{C572A759-6A51-4108-AA02-DFA0A04FC94B}">
+              <ma14:wrappingTextBoxFlag xmlns:ma14="http://schemas.microsoft.com/office/mac/drawingml/2011/main" val="1"/>
+            </a:ext>
+          </a:extLst>
+        </p:spPr>
+        <p:txBody>
+          <a:bodyPr wrap="none" lIns="50800" tIns="50800" rIns="50800" bIns="50800" anchor="ctr">
+            <a:spAutoFit/>
+          </a:bodyPr>
+          <a:lstStyle/>
+          <a:p>
+            <a:pPr lvl="0">
+              <a:defRPr sz="1800"/>
+            </a:pPr>
+            <a:r>
+              <a:rPr sz="3600"/>
+              <a:t>A type of “switch” or “trigger” in concurrent programming</a:t>
+            </a:r>
+          </a:p>
+        </p:txBody>
+      </p:sp>
+      <p:sp>
+        <p:nvSpPr>
+          <p:cNvPr id="87" name="Shape 87"/>
+          <p:cNvSpPr/>
+          <p:nvPr/>
+        </p:nvSpPr>
+        <p:spPr>
+          <a:xfrm>
+            <a:off x="15492" y="3807409"/>
+            <a:ext cx="12660224" cy="1739901"/>
+          </a:xfrm>
+          <a:prstGeom prst="rect">
+            <a:avLst/>
+          </a:prstGeom>
+          <a:ln w="12700">
+            <a:miter lim="400000"/>
+          </a:ln>
+          <a:extLst>
+            <a:ext uri="{C572A759-6A51-4108-AA02-DFA0A04FC94B}">
+              <ma14:wrappingTextBoxFlag xmlns:ma14="http://schemas.microsoft.com/office/mac/drawingml/2011/main" val="1"/>
+            </a:ext>
+          </a:extLst>
+        </p:spPr>
+        <p:txBody>
+          <a:bodyPr wrap="none" lIns="50800" tIns="50800" rIns="50800" bIns="50800" anchor="ctr">
+            <a:spAutoFit/>
+          </a:bodyPr>
+          <a:lstStyle/>
+          <a:p>
+            <a:pPr lvl="0">
+              <a:defRPr sz="1800"/>
+            </a:pPr>
+            <a:r>
+              <a:rPr sz="3600"/>
+              <a:t>	A thread or threads waits for the count value to reach zero before continuing to perform some process </a:t>
+            </a:r>
+            <a:endParaRPr sz="3600"/>
+          </a:p>
+        </p:txBody>
+      </p:sp>
+      <p:sp>
+        <p:nvSpPr>
+          <p:cNvPr id="88" name="Shape 88"/>
+          <p:cNvSpPr/>
+          <p:nvPr/>
+        </p:nvSpPr>
+        <p:spPr>
+          <a:xfrm>
+            <a:off x="84128" y="5424297"/>
+            <a:ext cx="11805819" cy="2286001"/>
+          </a:xfrm>
+          <a:prstGeom prst="rect">
+            <a:avLst/>
+          </a:prstGeom>
+          <a:ln w="12700">
+            <a:miter lim="400000"/>
+          </a:ln>
+          <a:extLst>
+            <a:ext uri="{C572A759-6A51-4108-AA02-DFA0A04FC94B}">
+              <ma14:wrappingTextBoxFlag xmlns:ma14="http://schemas.microsoft.com/office/mac/drawingml/2011/main" val="1"/>
+            </a:ext>
+          </a:extLst>
+        </p:spPr>
+        <p:txBody>
+          <a:bodyPr wrap="none" lIns="50800" tIns="50800" rIns="50800" bIns="50800" anchor="ctr">
+            <a:spAutoFit/>
+          </a:bodyPr>
+          <a:lstStyle/>
+          <a:p>
+            <a:pPr lvl="0">
+              <a:defRPr sz="1800"/>
+            </a:pPr>
+            <a:r>
+              <a:rPr sz="3600"/>
+              <a:t>    </a:t>
+            </a:r>
+            <a:r>
+              <a:rPr sz="3600"/>
+              <a:t>One-off process: Once the count value reaches 0, you cannot reset </a:t>
+            </a:r>
+            <a:br>
+              <a:rPr sz="3600"/>
+            </a:br>
+            <a:endParaRPr sz="3600"/>
+          </a:p>
+        </p:txBody>
+      </p:sp>
+    </p:spTree>
+  </p:cSld>
+  <p:clrMapOvr>
+    <a:masterClrMapping/>
+  </p:clrMapOvr>
+  <p:transition spd="med" advClick="1"/>
+</p:sld>
+</file>
+
+<file path=ppt/slides/slide16.xml><?xml version="1.0" encoding="utf-8"?>
+<p:sld xmlns:a="http://schemas.openxmlformats.org/drawingml/2006/main" xmlns:r="http://schemas.openxmlformats.org/officeDocument/2006/relationships" xmlns:p="http://schemas.openxmlformats.org/presentationml/2006/main" showMasterSp="1" showMasterPhAnim="1">
+  <p:cSld>
+    <p:spTree>
+      <p:nvGrpSpPr>
+        <p:cNvPr id="1" name=""/>
+        <p:cNvGrpSpPr/>
+        <p:nvPr/>
+      </p:nvGrpSpPr>
+      <p:grpSpPr>
+        <a:xfrm>
+          <a:off x="0" y="0"/>
+          <a:ext cx="0" cy="0"/>
+          <a:chOff x="0" y="0"/>
+          <a:chExt cx="0" cy="0"/>
+        </a:xfrm>
+      </p:grpSpPr>
+      <p:pic>
+        <p:nvPicPr>
+          <p:cNvPr id="90" name="pasted-image.png"/>
+          <p:cNvPicPr/>
+          <p:nvPr/>
+        </p:nvPicPr>
+        <p:blipFill>
+          <a:blip r:embed="rId2">
+            <a:extLst/>
+          </a:blip>
+          <a:stretch>
+            <a:fillRect/>
+          </a:stretch>
+        </p:blipFill>
+        <p:spPr>
+          <a:xfrm>
+            <a:off x="281914" y="104468"/>
+            <a:ext cx="12137063" cy="9753601"/>
+          </a:xfrm>
+          <a:prstGeom prst="rect">
+            <a:avLst/>
+          </a:prstGeom>
+          <a:ln w="12700">
+            <a:miter lim="400000"/>
+          </a:ln>
+        </p:spPr>
+      </p:pic>
+    </p:spTree>
+  </p:cSld>
+  <p:clrMapOvr>
+    <a:masterClrMapping/>
+  </p:clrMapOvr>
+  <p:transition spd="med" advClick="1"/>
+</p:sld>
+</file>
+
+<file path=ppt/slides/slide17.xml><?xml version="1.0" encoding="utf-8"?>
+<p:sld xmlns:a="http://schemas.openxmlformats.org/drawingml/2006/main" xmlns:r="http://schemas.openxmlformats.org/officeDocument/2006/relationships" xmlns:p="http://schemas.openxmlformats.org/presentationml/2006/main" showMasterSp="1" showMasterPhAnim="1">
+  <p:cSld>
+    <p:spTree>
+      <p:nvGrpSpPr>
+        <p:cNvPr id="1" name=""/>
+        <p:cNvGrpSpPr/>
+        <p:nvPr/>
+      </p:nvGrpSpPr>
+      <p:grpSpPr>
+        <a:xfrm>
+          <a:off x="0" y="0"/>
+          <a:ext cx="0" cy="0"/>
+          <a:chOff x="0" y="0"/>
+          <a:chExt cx="0" cy="0"/>
+        </a:xfrm>
+      </p:grpSpPr>
+      <p:sp>
+        <p:nvSpPr>
+          <p:cNvPr id="92" name="Shape 92"/>
+          <p:cNvSpPr/>
+          <p:nvPr/>
+        </p:nvSpPr>
+        <p:spPr>
+          <a:xfrm>
+            <a:off x="510699" y="348069"/>
+            <a:ext cx="3568904" cy="1193801"/>
+          </a:xfrm>
+          <a:prstGeom prst="rect">
+            <a:avLst/>
+          </a:prstGeom>
+          <a:ln w="12700">
+            <a:miter lim="400000"/>
+          </a:ln>
+          <a:extLst>
+            <a:ext uri="{C572A759-6A51-4108-AA02-DFA0A04FC94B}">
+              <ma14:wrappingTextBoxFlag xmlns:ma14="http://schemas.microsoft.com/office/mac/drawingml/2011/main" val="1"/>
+            </a:ext>
+          </a:extLst>
+        </p:spPr>
+        <p:txBody>
+          <a:bodyPr wrap="none" lIns="50800" tIns="50800" rIns="50800" bIns="50800" anchor="ctr">
+            <a:spAutoFit/>
+          </a:bodyPr>
+          <a:lstStyle/>
+          <a:p>
+            <a:pPr lvl="0">
+              <a:defRPr sz="1800"/>
+            </a:pPr>
+            <a:r>
+              <a:rPr sz="3600"/>
+              <a:t>(3):CyclicBarrier</a:t>
+            </a:r>
+            <a:endParaRPr sz="3600"/>
+          </a:p>
+        </p:txBody>
+      </p:sp>
+      <p:sp>
+        <p:nvSpPr>
+          <p:cNvPr id="93" name="Shape 93"/>
+          <p:cNvSpPr/>
+          <p:nvPr/>
+        </p:nvSpPr>
+        <p:spPr>
+          <a:xfrm>
+            <a:off x="75908" y="1905605"/>
+            <a:ext cx="12608951" cy="1193801"/>
+          </a:xfrm>
+          <a:prstGeom prst="rect">
+            <a:avLst/>
+          </a:prstGeom>
+          <a:ln w="12700">
+            <a:miter lim="400000"/>
+          </a:ln>
+          <a:extLst>
+            <a:ext uri="{C572A759-6A51-4108-AA02-DFA0A04FC94B}">
+              <ma14:wrappingTextBoxFlag xmlns:ma14="http://schemas.microsoft.com/office/mac/drawingml/2011/main" val="1"/>
+            </a:ext>
+          </a:extLst>
+        </p:spPr>
+        <p:txBody>
+          <a:bodyPr lIns="50800" tIns="50800" rIns="50800" bIns="50800" anchor="ctr">
+            <a:spAutoFit/>
+          </a:bodyPr>
+          <a:lstStyle/>
+          <a:p>
+            <a:pPr lvl="0">
+              <a:defRPr sz="1800"/>
+            </a:pPr>
+            <a:r>
+              <a:rPr sz="3600"/>
+              <a:t>A synchronization aid that allows a set of threads to all wait for each other to reach a common barrier point </a:t>
+            </a:r>
+          </a:p>
+        </p:txBody>
+      </p:sp>
+      <p:sp>
+        <p:nvSpPr>
+          <p:cNvPr id="94" name="Shape 94"/>
+          <p:cNvSpPr/>
+          <p:nvPr/>
+        </p:nvSpPr>
+        <p:spPr>
+          <a:xfrm>
+            <a:off x="79439" y="3467879"/>
+            <a:ext cx="11549330" cy="2286001"/>
+          </a:xfrm>
+          <a:prstGeom prst="rect">
+            <a:avLst/>
+          </a:prstGeom>
+          <a:ln w="12700">
+            <a:miter lim="400000"/>
+          </a:ln>
+          <a:extLst>
+            <a:ext uri="{C572A759-6A51-4108-AA02-DFA0A04FC94B}">
+              <ma14:wrappingTextBoxFlag xmlns:ma14="http://schemas.microsoft.com/office/mac/drawingml/2011/main" val="1"/>
+            </a:ext>
+          </a:extLst>
+        </p:spPr>
+        <p:txBody>
+          <a:bodyPr wrap="none" lIns="50800" tIns="50800" rIns="50800" bIns="50800" anchor="ctr">
+            <a:spAutoFit/>
+          </a:bodyPr>
+          <a:lstStyle/>
+          <a:p>
+            <a:pPr lvl="0">
+              <a:defRPr sz="1800"/>
+            </a:pPr>
+            <a:r>
+              <a:rPr sz="3600"/>
+              <a:t>T</a:t>
+            </a:r>
+            <a:r>
+              <a:rPr sz="3600"/>
+              <a:t>he barrier can be re-used after the waiting threads are released </a:t>
+            </a:r>
+            <a:br>
+              <a:rPr sz="3600"/>
+            </a:br>
+            <a:endParaRPr sz="3600"/>
+          </a:p>
+        </p:txBody>
+      </p:sp>
+    </p:spTree>
+  </p:cSld>
+  <p:clrMapOvr>
+    <a:masterClrMapping/>
+  </p:clrMapOvr>
+  <p:transition spd="med" advClick="1"/>
+</p:sld>
+</file>
+
+<file path=ppt/slides/slide18.xml><?xml version="1.0" encoding="utf-8"?>
+<p:sld xmlns:a="http://schemas.openxmlformats.org/drawingml/2006/main" xmlns:r="http://schemas.openxmlformats.org/officeDocument/2006/relationships" xmlns:p="http://schemas.openxmlformats.org/presentationml/2006/main" showMasterSp="1" showMasterPhAnim="1">
+  <p:cSld>
+    <p:spTree>
+      <p:nvGrpSpPr>
+        <p:cNvPr id="1" name=""/>
+        <p:cNvGrpSpPr/>
+        <p:nvPr/>
+      </p:nvGrpSpPr>
+      <p:grpSpPr>
+        <a:xfrm>
+          <a:off x="0" y="0"/>
+          <a:ext cx="0" cy="0"/>
+          <a:chOff x="0" y="0"/>
+          <a:chExt cx="0" cy="0"/>
+        </a:xfrm>
+      </p:grpSpPr>
+      <p:pic>
+        <p:nvPicPr>
+          <p:cNvPr id="96" name="pasted-image.png"/>
+          <p:cNvPicPr/>
+          <p:nvPr/>
+        </p:nvPicPr>
+        <p:blipFill>
+          <a:blip r:embed="rId2">
+            <a:extLst/>
+          </a:blip>
+          <a:stretch>
+            <a:fillRect/>
+          </a:stretch>
+        </p:blipFill>
+        <p:spPr>
+          <a:xfrm>
+            <a:off x="0" y="168455"/>
+            <a:ext cx="13004800" cy="9416690"/>
+          </a:xfrm>
+          <a:prstGeom prst="rect">
+            <a:avLst/>
+          </a:prstGeom>
+          <a:ln w="12700">
+            <a:miter lim="400000"/>
+          </a:ln>
+        </p:spPr>
+      </p:pic>
+    </p:spTree>
+  </p:cSld>
+  <p:clrMapOvr>
+    <a:masterClrMapping/>
+  </p:clrMapOvr>
+  <p:transition spd="med" advClick="1"/>
+</p:sld>
+</file>
+
+<file path=ppt/slides/slide19.xml><?xml version="1.0" encoding="utf-8"?>
+<p:sld xmlns:a="http://schemas.openxmlformats.org/drawingml/2006/main" xmlns:r="http://schemas.openxmlformats.org/officeDocument/2006/relationships" xmlns:p="http://schemas.openxmlformats.org/presentationml/2006/main" showMasterSp="1" showMasterPhAnim="1">
+  <p:cSld>
+    <p:spTree>
+      <p:nvGrpSpPr>
+        <p:cNvPr id="1" name=""/>
+        <p:cNvGrpSpPr/>
+        <p:nvPr/>
+      </p:nvGrpSpPr>
+      <p:grpSpPr>
+        <a:xfrm>
+          <a:off x="0" y="0"/>
+          <a:ext cx="0" cy="0"/>
+          <a:chOff x="0" y="0"/>
+          <a:chExt cx="0" cy="0"/>
+        </a:xfrm>
+      </p:grpSpPr>
+      <p:sp>
+        <p:nvSpPr>
+          <p:cNvPr id="98" name="Shape 98"/>
+          <p:cNvSpPr/>
+          <p:nvPr/>
+        </p:nvSpPr>
+        <p:spPr>
+          <a:xfrm>
+            <a:off x="3403634" y="441762"/>
+            <a:ext cx="5373887" cy="647701"/>
+          </a:xfrm>
+          <a:prstGeom prst="rect">
+            <a:avLst/>
+          </a:prstGeom>
+          <a:ln w="12700">
+            <a:miter lim="400000"/>
+          </a:ln>
+          <a:extLst>
+            <a:ext uri="{C572A759-6A51-4108-AA02-DFA0A04FC94B}">
+              <ma14:wrappingTextBoxFlag xmlns:ma14="http://schemas.microsoft.com/office/mac/drawingml/2011/main" val="1"/>
+            </a:ext>
+          </a:extLst>
+        </p:spPr>
+        <p:txBody>
+          <a:bodyPr wrap="none" lIns="50800" tIns="50800" rIns="50800" bIns="50800" anchor="ctr">
+            <a:spAutoFit/>
+          </a:bodyPr>
+          <a:lstStyle>
+            <a:lvl1pPr algn="ctr">
+              <a:defRPr b="1">
+                <a:latin typeface="Helvetica"/>
+                <a:ea typeface="Helvetica"/>
+                <a:cs typeface="Helvetica"/>
+                <a:sym typeface="Helvetica"/>
+              </a:defRPr>
+            </a:lvl1pPr>
+          </a:lstStyle>
+          <a:p>
+            <a:pPr lvl="0">
+              <a:defRPr b="0" sz="1800"/>
+            </a:pPr>
+            <a:r>
+              <a:rPr b="1" sz="3600"/>
+              <a:t>concurrency collections</a:t>
+            </a:r>
+          </a:p>
+        </p:txBody>
+      </p:sp>
+      <p:pic>
+        <p:nvPicPr>
+          <p:cNvPr id="99" name="Java-Concurrent-Collections.png"/>
+          <p:cNvPicPr/>
+          <p:nvPr/>
+        </p:nvPicPr>
+        <p:blipFill>
+          <a:blip r:embed="rId2">
+            <a:extLst/>
+          </a:blip>
+          <a:stretch>
+            <a:fillRect/>
+          </a:stretch>
+        </p:blipFill>
+        <p:spPr>
+          <a:xfrm>
+            <a:off x="1188377" y="1725568"/>
+            <a:ext cx="9804401" cy="7162801"/>
+          </a:xfrm>
+          <a:prstGeom prst="rect">
+            <a:avLst/>
+          </a:prstGeom>
+          <a:ln w="12700">
+            <a:miter lim="400000"/>
+          </a:ln>
+        </p:spPr>
+      </p:pic>
+    </p:spTree>
+  </p:cSld>
+  <p:clrMapOvr>
+    <a:masterClrMapping/>
+  </p:clrMapOvr>
+  <p:transition spd="med" advClick="1"/>
+</p:sld>
+</file>
+
+<file path=ppt/slides/slide2.xml><?xml version="1.0" encoding="utf-8"?>
+<p:sld xmlns:a="http://schemas.openxmlformats.org/drawingml/2006/main" xmlns:r="http://schemas.openxmlformats.org/officeDocument/2006/relationships" xmlns:p="http://schemas.openxmlformats.org/presentationml/2006/main" showMasterSp="1" showMasterPhAnim="1">
+  <p:cSld>
+    <p:spTree>
+      <p:nvGrpSpPr>
+        <p:cNvPr id="1" name=""/>
+        <p:cNvGrpSpPr/>
+        <p:nvPr/>
+      </p:nvGrpSpPr>
+      <p:grpSpPr>
+        <a:xfrm>
+          <a:off x="0" y="0"/>
+          <a:ext cx="0" cy="0"/>
+          <a:chOff x="0" y="0"/>
+          <a:chExt cx="0" cy="0"/>
+        </a:xfrm>
+      </p:grpSpPr>
+      <p:sp>
+        <p:nvSpPr>
+          <p:cNvPr id="35" name="Shape 35"/>
+          <p:cNvSpPr/>
+          <p:nvPr/>
+        </p:nvSpPr>
+        <p:spPr>
+          <a:xfrm>
+            <a:off x="584200" y="457200"/>
+            <a:ext cx="1867662" cy="647701"/>
+          </a:xfrm>
+          <a:prstGeom prst="rect">
+            <a:avLst/>
+          </a:prstGeom>
+          <a:ln w="12700">
+            <a:miter lim="400000"/>
+          </a:ln>
+          <a:extLst>
+            <a:ext uri="{C572A759-6A51-4108-AA02-DFA0A04FC94B}">
+              <ma14:wrappingTextBoxFlag xmlns:ma14="http://schemas.microsoft.com/office/mac/drawingml/2011/main" val="1"/>
+            </a:ext>
+          </a:extLst>
+        </p:spPr>
+        <p:txBody>
+          <a:bodyPr wrap="none" lIns="50800" tIns="50800" rIns="50800" bIns="50800" anchor="ctr">
+            <a:spAutoFit/>
+          </a:bodyPr>
+          <a:lstStyle/>
+          <a:p>
+            <a:pPr lvl="0">
+              <a:defRPr sz="1800"/>
+            </a:pPr>
+            <a:r>
+              <a:rPr sz="3600"/>
+              <a:t>Agenda:</a:t>
+            </a:r>
+          </a:p>
+        </p:txBody>
+      </p:sp>
+      <p:sp>
+        <p:nvSpPr>
+          <p:cNvPr id="36" name="Shape 36"/>
+          <p:cNvSpPr/>
+          <p:nvPr/>
+        </p:nvSpPr>
+        <p:spPr>
+          <a:xfrm>
+            <a:off x="2146300" y="1517650"/>
+            <a:ext cx="5595214" cy="647701"/>
+          </a:xfrm>
+          <a:prstGeom prst="rect">
+            <a:avLst/>
+          </a:prstGeom>
+          <a:ln w="12700">
+            <a:miter lim="400000"/>
+          </a:ln>
+          <a:extLst>
+            <a:ext uri="{C572A759-6A51-4108-AA02-DFA0A04FC94B}">
+              <ma14:wrappingTextBoxFlag xmlns:ma14="http://schemas.microsoft.com/office/mac/drawingml/2011/main" val="1"/>
+            </a:ext>
+          </a:extLst>
+        </p:spPr>
+        <p:txBody>
+          <a:bodyPr wrap="none" lIns="50800" tIns="50800" rIns="50800" bIns="50800" anchor="ctr">
+            <a:spAutoFit/>
+          </a:bodyPr>
+          <a:lstStyle/>
+          <a:p>
+            <a:pPr lvl="0">
+              <a:defRPr sz="1800"/>
+            </a:pPr>
+            <a:r>
+              <a:rPr sz="3600"/>
+              <a:t>1:basic concepts of thread</a:t>
+            </a:r>
+          </a:p>
+        </p:txBody>
+      </p:sp>
+      <p:sp>
+        <p:nvSpPr>
+          <p:cNvPr id="37" name="Shape 37"/>
+          <p:cNvSpPr/>
+          <p:nvPr/>
+        </p:nvSpPr>
+        <p:spPr>
+          <a:xfrm>
+            <a:off x="2222245" y="2689225"/>
+            <a:ext cx="6839713" cy="647701"/>
+          </a:xfrm>
+          <a:prstGeom prst="rect">
+            <a:avLst/>
+          </a:prstGeom>
+          <a:ln w="12700">
+            <a:miter lim="400000"/>
+          </a:ln>
+          <a:extLst>
+            <a:ext uri="{C572A759-6A51-4108-AA02-DFA0A04FC94B}">
+              <ma14:wrappingTextBoxFlag xmlns:ma14="http://schemas.microsoft.com/office/mac/drawingml/2011/main" val="1"/>
+            </a:ext>
+          </a:extLst>
+        </p:spPr>
+        <p:txBody>
+          <a:bodyPr wrap="none" lIns="50800" tIns="50800" rIns="50800" bIns="50800" anchor="ctr">
+            <a:spAutoFit/>
+          </a:bodyPr>
+          <a:lstStyle/>
+          <a:p>
+            <a:pPr lvl="0">
+              <a:defRPr sz="1800"/>
+            </a:pPr>
+            <a:r>
+              <a:rPr sz="3600"/>
+              <a:t>2:basic synchronisation methods</a:t>
+            </a:r>
+          </a:p>
+        </p:txBody>
+      </p:sp>
+      <p:sp>
+        <p:nvSpPr>
+          <p:cNvPr id="38" name="Shape 38"/>
+          <p:cNvSpPr/>
+          <p:nvPr/>
+        </p:nvSpPr>
+        <p:spPr>
+          <a:xfrm>
+            <a:off x="2250991" y="5016500"/>
+            <a:ext cx="4629151" cy="647701"/>
+          </a:xfrm>
+          <a:prstGeom prst="rect">
+            <a:avLst/>
+          </a:prstGeom>
+          <a:ln w="12700">
+            <a:miter lim="400000"/>
+          </a:ln>
+          <a:extLst>
+            <a:ext uri="{C572A759-6A51-4108-AA02-DFA0A04FC94B}">
+              <ma14:wrappingTextBoxFlag xmlns:ma14="http://schemas.microsoft.com/office/mac/drawingml/2011/main" val="1"/>
+            </a:ext>
+          </a:extLst>
+        </p:spPr>
+        <p:txBody>
+          <a:bodyPr wrap="none" lIns="50800" tIns="50800" rIns="50800" bIns="50800" anchor="ctr">
+            <a:spAutoFit/>
+          </a:bodyPr>
+          <a:lstStyle/>
+          <a:p>
+            <a:pPr lvl="0">
+              <a:defRPr sz="1800"/>
+            </a:pPr>
+            <a:r>
+              <a:rPr sz="3600"/>
+              <a:t>4:thread management</a:t>
+            </a:r>
+          </a:p>
+        </p:txBody>
+      </p:sp>
+      <p:sp>
+        <p:nvSpPr>
+          <p:cNvPr id="39" name="Shape 39"/>
+          <p:cNvSpPr/>
+          <p:nvPr/>
+        </p:nvSpPr>
+        <p:spPr>
+          <a:xfrm>
+            <a:off x="2260600" y="3852862"/>
+            <a:ext cx="5366614" cy="647701"/>
+          </a:xfrm>
+          <a:prstGeom prst="rect">
+            <a:avLst/>
+          </a:prstGeom>
+          <a:ln w="12700">
+            <a:miter lim="400000"/>
+          </a:ln>
+          <a:extLst>
+            <a:ext uri="{C572A759-6A51-4108-AA02-DFA0A04FC94B}">
+              <ma14:wrappingTextBoxFlag xmlns:ma14="http://schemas.microsoft.com/office/mac/drawingml/2011/main" val="1"/>
+            </a:ext>
+          </a:extLst>
+        </p:spPr>
+        <p:txBody>
+          <a:bodyPr wrap="none" lIns="50800" tIns="50800" rIns="50800" bIns="50800" anchor="ctr">
+            <a:spAutoFit/>
+          </a:bodyPr>
+          <a:lstStyle/>
+          <a:p>
+            <a:pPr lvl="0">
+              <a:defRPr sz="1800"/>
+            </a:pPr>
+            <a:r>
+              <a:rPr sz="3600"/>
+              <a:t>3:concurrency collections</a:t>
+            </a:r>
+          </a:p>
+        </p:txBody>
+      </p:sp>
+      <p:sp>
+        <p:nvSpPr>
+          <p:cNvPr id="40" name="Shape 40"/>
+          <p:cNvSpPr/>
+          <p:nvPr/>
+        </p:nvSpPr>
+        <p:spPr>
+          <a:xfrm>
+            <a:off x="2286000" y="6076950"/>
+            <a:ext cx="3918204" cy="647701"/>
+          </a:xfrm>
+          <a:prstGeom prst="rect">
+            <a:avLst/>
+          </a:prstGeom>
+          <a:ln w="12700">
+            <a:miter lim="400000"/>
+          </a:ln>
+          <a:extLst>
+            <a:ext uri="{C572A759-6A51-4108-AA02-DFA0A04FC94B}">
+              <ma14:wrappingTextBoxFlag xmlns:ma14="http://schemas.microsoft.com/office/mac/drawingml/2011/main" val="1"/>
+            </a:ext>
+          </a:extLst>
+        </p:spPr>
+        <p:txBody>
+          <a:bodyPr wrap="none" lIns="50800" tIns="50800" rIns="50800" bIns="50800" anchor="ctr">
+            <a:spAutoFit/>
+          </a:bodyPr>
+          <a:lstStyle/>
+          <a:p>
+            <a:pPr lvl="0">
+              <a:defRPr sz="1800"/>
+            </a:pPr>
+            <a:r>
+              <a:rPr sz="3600"/>
+              <a:t>5:concurrency test</a:t>
+            </a:r>
+          </a:p>
+        </p:txBody>
+      </p:sp>
+      <p:sp>
+        <p:nvSpPr>
+          <p:cNvPr id="41" name="Shape 41"/>
+          <p:cNvSpPr/>
+          <p:nvPr>
+            <p:ph type="sldNum" sz="quarter" idx="4294967295"/>
+          </p:nvPr>
+        </p:nvSpPr>
+        <p:spPr>
+          <a:xfrm>
+            <a:off x="6375349" y="9251950"/>
+            <a:ext cx="241402" cy="381000"/>
+          </a:xfrm>
+          <a:prstGeom prst="rect">
+            <a:avLst/>
+          </a:prstGeom>
+          <a:ln w="12700">
+            <a:miter lim="400000"/>
+          </a:ln>
+          <a:extLst>
+            <a:ext uri="{C572A759-6A51-4108-AA02-DFA0A04FC94B}">
+              <ma14:wrappingTextBoxFlag xmlns:ma14="http://schemas.microsoft.com/office/mac/drawingml/2011/main" val="1"/>
+            </a:ext>
+          </a:extLst>
+        </p:spPr>
+        <p:txBody>
+          <a:bodyPr wrap="none" lIns="0" tIns="0" rIns="0" bIns="0">
+            <a:spAutoFit/>
+          </a:bodyPr>
+          <a:lstStyle>
+            <a:lvl1pPr algn="ctr">
+              <a:defRPr sz="1800"/>
+            </a:lvl1pPr>
+          </a:lstStyle>
+          <a:p>
+            <a:pPr lvl="0"/>
+            <a:fld id="{86CB4B4D-7CA3-9044-876B-883B54F8677D}" type="slidenum"/>
+          </a:p>
+        </p:txBody>
+      </p:sp>
+      <p:sp>
+        <p:nvSpPr>
+          <p:cNvPr id="42" name="Shape 42"/>
+          <p:cNvSpPr/>
+          <p:nvPr/>
+        </p:nvSpPr>
+        <p:spPr>
+          <a:xfrm>
+            <a:off x="2286000" y="7137400"/>
+            <a:ext cx="5568239" cy="647701"/>
+          </a:xfrm>
+          <a:prstGeom prst="rect">
+            <a:avLst/>
+          </a:prstGeom>
+          <a:ln w="12700">
+            <a:miter lim="400000"/>
+          </a:ln>
+          <a:extLst>
+            <a:ext uri="{C572A759-6A51-4108-AA02-DFA0A04FC94B}">
+              <ma14:wrappingTextBoxFlag xmlns:ma14="http://schemas.microsoft.com/office/mac/drawingml/2011/main" val="1"/>
+            </a:ext>
+          </a:extLst>
+        </p:spPr>
+        <p:txBody>
+          <a:bodyPr wrap="none" lIns="50800" tIns="50800" rIns="50800" bIns="50800" anchor="ctr">
+            <a:spAutoFit/>
+          </a:bodyPr>
+          <a:lstStyle/>
+          <a:p>
+            <a:pPr lvl="0">
+              <a:defRPr sz="1800"/>
+            </a:pPr>
+            <a:r>
+              <a:rPr sz="3600"/>
+              <a:t>6:some classical problems</a:t>
+            </a:r>
+          </a:p>
+        </p:txBody>
+      </p:sp>
+    </p:spTree>
+  </p:cSld>
+  <p:clrMapOvr>
+    <a:masterClrMapping/>
+  </p:clrMapOvr>
+  <p:transition spd="med" advClick="1"/>
+</p:sld>
+</file>
+
+<file path=ppt/slides/slide20.xml><?xml version="1.0" encoding="utf-8"?>
+<p:sld xmlns:a="http://schemas.openxmlformats.org/drawingml/2006/main" xmlns:r="http://schemas.openxmlformats.org/officeDocument/2006/relationships" xmlns:p="http://schemas.openxmlformats.org/presentationml/2006/main" showMasterSp="1" showMasterPhAnim="1">
+  <p:cSld>
+    <p:spTree>
+      <p:nvGrpSpPr>
+        <p:cNvPr id="1" name=""/>
+        <p:cNvGrpSpPr/>
+        <p:nvPr/>
+      </p:nvGrpSpPr>
+      <p:grpSpPr>
+        <a:xfrm>
+          <a:off x="0" y="0"/>
+          <a:ext cx="0" cy="0"/>
+          <a:chOff x="0" y="0"/>
+          <a:chExt cx="0" cy="0"/>
+        </a:xfrm>
+      </p:grpSpPr>
+      <p:sp>
+        <p:nvSpPr>
+          <p:cNvPr id="101" name="Shape 101"/>
+          <p:cNvSpPr/>
+          <p:nvPr/>
+        </p:nvSpPr>
+        <p:spPr>
+          <a:xfrm>
+            <a:off x="4869738" y="689252"/>
+            <a:ext cx="3265324" cy="647701"/>
+          </a:xfrm>
+          <a:prstGeom prst="rect">
+            <a:avLst/>
+          </a:prstGeom>
+          <a:ln w="12700">
+            <a:miter lim="400000"/>
+          </a:ln>
+          <a:extLst>
+            <a:ext uri="{C572A759-6A51-4108-AA02-DFA0A04FC94B}">
+              <ma14:wrappingTextBoxFlag xmlns:ma14="http://schemas.microsoft.com/office/mac/drawingml/2011/main" val="1"/>
+            </a:ext>
+          </a:extLst>
+        </p:spPr>
+        <p:txBody>
+          <a:bodyPr wrap="none" lIns="50800" tIns="50800" rIns="50800" bIns="50800" anchor="ctr">
+            <a:spAutoFit/>
+          </a:bodyPr>
+          <a:lstStyle/>
+          <a:p>
+            <a:pPr lvl="0">
+              <a:defRPr sz="1800"/>
+            </a:pPr>
+            <a:r>
+              <a:rPr sz="3600"/>
+              <a:t>BlockingQueue</a:t>
+            </a:r>
+          </a:p>
+        </p:txBody>
+      </p:sp>
+      <p:pic>
+        <p:nvPicPr>
+          <p:cNvPr id="102" name="queue.png"/>
+          <p:cNvPicPr/>
+          <p:nvPr/>
+        </p:nvPicPr>
+        <p:blipFill>
+          <a:blip r:embed="rId2">
+            <a:extLst/>
+          </a:blip>
+          <a:stretch>
+            <a:fillRect/>
+          </a:stretch>
+        </p:blipFill>
+        <p:spPr>
+          <a:xfrm>
+            <a:off x="3575050" y="4205567"/>
+            <a:ext cx="5854700" cy="2235201"/>
+          </a:xfrm>
+          <a:prstGeom prst="rect">
+            <a:avLst/>
+          </a:prstGeom>
+          <a:ln w="12700">
+            <a:miter lim="400000"/>
+          </a:ln>
+        </p:spPr>
+      </p:pic>
+      <p:sp>
+        <p:nvSpPr>
+          <p:cNvPr id="103" name="Shape 103"/>
+          <p:cNvSpPr/>
+          <p:nvPr/>
+        </p:nvSpPr>
+        <p:spPr>
+          <a:xfrm>
+            <a:off x="1540865" y="2129254"/>
+            <a:ext cx="9923070" cy="647701"/>
+          </a:xfrm>
+          <a:prstGeom prst="rect">
+            <a:avLst/>
+          </a:prstGeom>
+          <a:ln w="12700">
+            <a:miter lim="400000"/>
+          </a:ln>
+          <a:extLst>
+            <a:ext uri="{C572A759-6A51-4108-AA02-DFA0A04FC94B}">
+              <ma14:wrappingTextBoxFlag xmlns:ma14="http://schemas.microsoft.com/office/mac/drawingml/2011/main" val="1"/>
+            </a:ext>
+          </a:extLst>
+        </p:spPr>
+        <p:txBody>
+          <a:bodyPr wrap="none" lIns="50800" tIns="50800" rIns="50800" bIns="50800" anchor="ctr">
+            <a:spAutoFit/>
+          </a:bodyPr>
+          <a:lstStyle/>
+          <a:p>
+            <a:pPr lvl="0">
+              <a:defRPr sz="1800"/>
+            </a:pPr>
+            <a:r>
+              <a:rPr sz="3600"/>
+              <a:t>A queue that can be blocked when full or empty</a:t>
+            </a:r>
+          </a:p>
+        </p:txBody>
+      </p:sp>
+    </p:spTree>
+  </p:cSld>
+  <p:clrMapOvr>
+    <a:masterClrMapping/>
+  </p:clrMapOvr>
+  <p:transition spd="med" advClick="1"/>
+</p:sld>
+</file>
+
+<file path=ppt/slides/slide21.xml><?xml version="1.0" encoding="utf-8"?>
+<p:sld xmlns:a="http://schemas.openxmlformats.org/drawingml/2006/main" xmlns:r="http://schemas.openxmlformats.org/officeDocument/2006/relationships" xmlns:p="http://schemas.openxmlformats.org/presentationml/2006/main" showMasterSp="1" showMasterPhAnim="1">
+  <p:cSld>
+    <p:spTree>
+      <p:nvGrpSpPr>
+        <p:cNvPr id="1" name=""/>
+        <p:cNvGrpSpPr/>
+        <p:nvPr/>
+      </p:nvGrpSpPr>
+      <p:grpSpPr>
+        <a:xfrm>
+          <a:off x="0" y="0"/>
+          <a:ext cx="0" cy="0"/>
+          <a:chOff x="0" y="0"/>
+          <a:chExt cx="0" cy="0"/>
+        </a:xfrm>
+      </p:grpSpPr>
+      <p:graphicFrame>
+        <p:nvGraphicFramePr>
+          <p:cNvPr id="105" name="Table 105"/>
           <p:cNvGraphicFramePr/>
           <p:nvPr/>
         </p:nvGraphicFramePr>
@@ -2364,7 +3969,7 @@
 </p:sld>
 </file>
 
-<file path=ppt/slides/slide12.xml><?xml version="1.0" encoding="utf-8"?>
+<file path=ppt/slides/slide22.xml><?xml version="1.0" encoding="utf-8"?>
 <p:sld xmlns:a="http://schemas.openxmlformats.org/drawingml/2006/main" xmlns:r="http://schemas.openxmlformats.org/officeDocument/2006/relationships" xmlns:p="http://schemas.openxmlformats.org/presentationml/2006/main" showMasterSp="1" showMasterPhAnim="1">
   <p:cSld>
     <p:spTree>
@@ -2383,7 +3988,7 @@
       </p:grpSpPr>
       <p:sp>
         <p:nvSpPr>
-          <p:cNvPr id="76" name="Shape 76"/>
+          <p:cNvPr id="107" name="Shape 107"/>
           <p:cNvSpPr/>
           <p:nvPr/>
         </p:nvSpPr>
@@ -2422,7 +4027,7 @@
       </p:sp>
       <p:graphicFrame>
         <p:nvGraphicFramePr>
-          <p:cNvPr id="77" name="Table 77"/>
+          <p:cNvPr id="108" name="Table 108"/>
           <p:cNvGraphicFramePr/>
           <p:nvPr/>
         </p:nvGraphicFramePr>
@@ -2563,7 +4168,7 @@
       </p:graphicFrame>
       <p:pic>
         <p:nvPicPr>
-          <p:cNvPr id="78" name="deque.png"/>
+          <p:cNvPr id="109" name="deque.png"/>
           <p:cNvPicPr/>
           <p:nvPr/>
         </p:nvPicPr>
@@ -2597,7 +4202,7 @@
 </p:sld>
 </file>
 
-<file path=ppt/slides/slide13.xml><?xml version="1.0" encoding="utf-8"?>
+<file path=ppt/slides/slide23.xml><?xml version="1.0" encoding="utf-8"?>
 <p:sld xmlns:a="http://schemas.openxmlformats.org/drawingml/2006/main" xmlns:r="http://schemas.openxmlformats.org/officeDocument/2006/relationships" xmlns:p="http://schemas.openxmlformats.org/presentationml/2006/main" showMasterSp="1" showMasterPhAnim="1">
   <p:cSld>
     <p:spTree>
@@ -2616,7 +4221,7 @@
       </p:grpSpPr>
       <p:sp>
         <p:nvSpPr>
-          <p:cNvPr id="80" name="Shape 80"/>
+          <p:cNvPr id="111" name="Shape 111"/>
           <p:cNvSpPr/>
           <p:nvPr/>
         </p:nvSpPr>
@@ -2655,7 +4260,7 @@
       </p:sp>
       <p:pic>
         <p:nvPicPr>
-          <p:cNvPr id="81" name="concurrencyHashMap.jpg"/>
+          <p:cNvPr id="112" name="concurrencyHashMap.jpg"/>
           <p:cNvPicPr/>
           <p:nvPr/>
         </p:nvPicPr>
@@ -2682,14 +4287,14 @@
       </p:pic>
       <p:sp>
         <p:nvSpPr>
-          <p:cNvPr id="82" name="Shape 82"/>
+          <p:cNvPr id="113" name="Shape 113"/>
           <p:cNvSpPr/>
           <p:nvPr/>
         </p:nvSpPr>
         <p:spPr>
           <a:xfrm>
-            <a:off x="8298898" y="3788414"/>
-            <a:ext cx="2604670" cy="1739901"/>
+            <a:off x="8565598" y="3045464"/>
+            <a:ext cx="2299260" cy="1193801"/>
           </a:xfrm>
           <a:prstGeom prst="rect">
             <a:avLst/>
@@ -2726,16 +4331,6 @@
               <a:rPr sz="3600"/>
               <a:t>HashEntry</a:t>
             </a:r>
-            <a:endParaRPr sz="3600"/>
-          </a:p>
-          <a:p>
-            <a:pPr lvl="0">
-              <a:defRPr sz="1800"/>
-            </a:pPr>
-            <a:r>
-              <a:rPr sz="3600"/>
-              <a:t>HashBucket</a:t>
-            </a:r>
           </a:p>
         </p:txBody>
       </p:sp>
@@ -2748,7 +4343,7 @@
 </p:sld>
 </file>
 
-<file path=ppt/slides/slide14.xml><?xml version="1.0" encoding="utf-8"?>
+<file path=ppt/slides/slide24.xml><?xml version="1.0" encoding="utf-8"?>
 <p:sld xmlns:a="http://schemas.openxmlformats.org/drawingml/2006/main" xmlns:r="http://schemas.openxmlformats.org/officeDocument/2006/relationships" xmlns:p="http://schemas.openxmlformats.org/presentationml/2006/main" showMasterSp="1" showMasterPhAnim="1">
   <p:cSld>
     <p:spTree>
@@ -2767,7 +4362,7 @@
       </p:grpSpPr>
       <p:sp>
         <p:nvSpPr>
-          <p:cNvPr id="84" name="Shape 84"/>
+          <p:cNvPr id="115" name="Shape 115"/>
           <p:cNvSpPr/>
           <p:nvPr/>
         </p:nvSpPr>
@@ -2806,14 +4401,14 @@
       </p:sp>
       <p:sp>
         <p:nvSpPr>
-          <p:cNvPr id="85" name="Shape 85"/>
+          <p:cNvPr id="116" name="Shape 116"/>
           <p:cNvSpPr/>
           <p:nvPr/>
         </p:nvSpPr>
         <p:spPr>
           <a:xfrm>
-            <a:off x="401980" y="1535215"/>
-            <a:ext cx="12200840" cy="1193801"/>
+            <a:off x="558699" y="3041649"/>
+            <a:ext cx="12198872" cy="3670301"/>
           </a:xfrm>
           <a:prstGeom prst="rect">
             <a:avLst/>
@@ -2837,9 +4432,108 @@
               <a:defRPr sz="1800"/>
             </a:pPr>
             <a:r>
-              <a:rPr sz="3600"/>
-              <a:t>A small toolkit of classes that support lock-free thread-safe programming on single variables</a:t>
-            </a:r>
+              <a:rPr sz="2600"/>
+              <a:t>(1)Used to build lighter-weight high performance non-blocking synchronisation </a:t>
+            </a:r>
+            <a:br>
+              <a:rPr sz="2600"/>
+            </a:br>
+            <a:endParaRPr sz="2600"/>
+          </a:p>
+          <a:p>
+            <a:pPr lvl="0">
+              <a:defRPr sz="1800"/>
+            </a:pPr>
+            <a:r>
+              <a:rPr sz="2600"/>
+              <a:t>(2)</a:t>
+            </a:r>
+            <a:r>
+              <a:rPr sz="2600"/>
+              <a:t>Based on Compare-And-Swap operation </a:t>
+            </a:r>
+            <a:br>
+              <a:rPr sz="2600"/>
+            </a:br>
+            <a:endParaRPr sz="2600"/>
+          </a:p>
+          <a:p>
+            <a:pPr lvl="0" marL="457200" indent="-457200" defTabSz="457200">
+              <a:spcBef>
+                <a:spcPts val="1200"/>
+              </a:spcBef>
+              <a:tabLst>
+                <a:tab pos="139700" algn="l"/>
+                <a:tab pos="457200" algn="l"/>
+              </a:tabLst>
+              <a:defRPr sz="1800"/>
+            </a:pPr>
+            <a:r>
+              <a:rPr sz="2600"/>
+              <a:t>(3)Twelve atomic variable classes, two popular groups: </a:t>
+            </a:r>
+            <a:endParaRPr sz="1700">
+              <a:latin typeface="Times"/>
+              <a:ea typeface="Times"/>
+              <a:cs typeface="Times"/>
+              <a:sym typeface="Times"/>
+            </a:endParaRPr>
+          </a:p>
+          <a:p>
+            <a:pPr lvl="0" marL="914400" indent="-914400" defTabSz="457200">
+              <a:spcBef>
+                <a:spcPts val="1200"/>
+              </a:spcBef>
+              <a:tabLst>
+                <a:tab pos="596900" algn="l"/>
+                <a:tab pos="914400" algn="l"/>
+              </a:tabLst>
+              <a:defRPr sz="1800"/>
+            </a:pPr>
+            <a:r>
+              <a:rPr sz="2100"/>
+              <a:t>	 Scalars: AtomicInteger, AtomicLong, AtomicBoolean, and AtomicReference </a:t>
+            </a:r>
+            <a:endParaRPr sz="2100"/>
+          </a:p>
+          <a:p>
+            <a:pPr lvl="0" marL="914400" indent="-914400" defTabSz="457200">
+              <a:spcBef>
+                <a:spcPts val="1200"/>
+              </a:spcBef>
+              <a:tabLst>
+                <a:tab pos="596900" algn="l"/>
+                <a:tab pos="914400" algn="l"/>
+              </a:tabLst>
+              <a:defRPr sz="1800"/>
+            </a:pPr>
+            <a:r>
+              <a:rPr sz="2100"/>
+              <a:t>	 Arrays: elements can be updated atomically, available in Integer, Long, and Reference versions</a:t>
+            </a:r>
+            <a:r>
+              <a:rPr sz="1700">
+                <a:latin typeface="Times"/>
+                <a:ea typeface="Times"/>
+                <a:cs typeface="Times"/>
+                <a:sym typeface="Times"/>
+              </a:rPr>
+              <a:t> </a:t>
+            </a:r>
+            <a:br>
+              <a:rPr sz="1700">
+                <a:latin typeface="Times"/>
+                <a:ea typeface="Times"/>
+                <a:cs typeface="Times"/>
+                <a:sym typeface="Times"/>
+              </a:rPr>
+            </a:br>
+            <a:endParaRPr sz="1700">
+              <a:latin typeface="Times"/>
+              <a:ea typeface="Times"/>
+              <a:cs typeface="Times"/>
+              <a:sym typeface="Times"/>
+            </a:endParaRPr>
           </a:p>
         </p:txBody>
       </p:sp>
@@ -2852,7 +4546,7 @@
 </p:sld>
 </file>
 
-<file path=ppt/slides/slide15.xml><?xml version="1.0" encoding="utf-8"?>
+<file path=ppt/slides/slide25.xml><?xml version="1.0" encoding="utf-8"?>
 <p:sld xmlns:a="http://schemas.openxmlformats.org/drawingml/2006/main" xmlns:r="http://schemas.openxmlformats.org/officeDocument/2006/relationships" xmlns:p="http://schemas.openxmlformats.org/presentationml/2006/main" showMasterSp="1" showMasterPhAnim="1">
   <p:cSld>
     <p:spTree>
@@ -2869,15 +4563,42 @@
           <a:chExt cx="0" cy="0"/>
         </a:xfrm>
       </p:grpSpPr>
+      <p:pic>
+        <p:nvPicPr>
+          <p:cNvPr id="118" name="pasted-image.png"/>
+          <p:cNvPicPr/>
+          <p:nvPr/>
+        </p:nvPicPr>
+        <p:blipFill>
+          <a:blip r:embed="rId2">
+            <a:extLst/>
+          </a:blip>
+          <a:stretch>
+            <a:fillRect/>
+          </a:stretch>
+        </p:blipFill>
+        <p:spPr>
+          <a:xfrm>
+            <a:off x="1295956" y="1992119"/>
+            <a:ext cx="10033001" cy="6985001"/>
+          </a:xfrm>
+          <a:prstGeom prst="rect">
+            <a:avLst/>
+          </a:prstGeom>
+          <a:ln w="12700">
+            <a:miter lim="400000"/>
+          </a:ln>
+        </p:spPr>
+      </p:pic>
       <p:sp>
         <p:nvSpPr>
-          <p:cNvPr id="87" name="Shape 87"/>
+          <p:cNvPr id="119" name="Shape 119"/>
           <p:cNvSpPr/>
           <p:nvPr/>
         </p:nvSpPr>
         <p:spPr>
           <a:xfrm>
-            <a:off x="4272991" y="616122"/>
+            <a:off x="3627183" y="787071"/>
             <a:ext cx="4458818" cy="647701"/>
           </a:xfrm>
           <a:prstGeom prst="rect">
@@ -2917,64 +4638,42 @@
           </a:p>
         </p:txBody>
       </p:sp>
+    </p:spTree>
+  </p:cSld>
+  <p:clrMapOvr>
+    <a:masterClrMapping/>
+  </p:clrMapOvr>
+  <p:transition spd="med" advClick="1"/>
+</p:sld>
+</file>
+
+<file path=ppt/slides/slide26.xml><?xml version="1.0" encoding="utf-8"?>
+<p:sld xmlns:a="http://schemas.openxmlformats.org/drawingml/2006/main" xmlns:r="http://schemas.openxmlformats.org/officeDocument/2006/relationships" xmlns:p="http://schemas.openxmlformats.org/presentationml/2006/main" showMasterSp="1" showMasterPhAnim="1">
+  <p:cSld>
+    <p:spTree>
+      <p:nvGrpSpPr>
+        <p:cNvPr id="1" name=""/>
+        <p:cNvGrpSpPr/>
+        <p:nvPr/>
+      </p:nvGrpSpPr>
+      <p:grpSpPr>
+        <a:xfrm>
+          <a:off x="0" y="0"/>
+          <a:ext cx="0" cy="0"/>
+          <a:chOff x="0" y="0"/>
+          <a:chExt cx="0" cy="0"/>
+        </a:xfrm>
+      </p:grpSpPr>
       <p:sp>
         <p:nvSpPr>
-          <p:cNvPr id="88" name="Shape 88"/>
-          <p:cNvSpPr/>
-          <p:nvPr/>
-        </p:nvSpPr>
-        <p:spPr>
-          <a:xfrm>
-            <a:off x="1326796" y="1622902"/>
-            <a:ext cx="1600443" cy="303716"/>
-          </a:xfrm>
-          <a:prstGeom prst="rect">
-            <a:avLst/>
-          </a:prstGeom>
-          <a:ln w="12700">
-            <a:miter lim="400000"/>
-          </a:ln>
-          <a:extLst>
-            <a:ext uri="{C572A759-6A51-4108-AA02-DFA0A04FC94B}">
-              <ma14:wrappingTextBoxFlag xmlns:ma14="http://schemas.microsoft.com/office/mac/drawingml/2011/main" val="1"/>
-            </a:ext>
-          </a:extLst>
-        </p:spPr>
-        <p:txBody>
-          <a:bodyPr wrap="none" lIns="50800" tIns="50800" rIns="50800" bIns="50800" anchor="ctr">
-            <a:spAutoFit/>
-          </a:bodyPr>
-          <a:lstStyle>
-            <a:lvl1pPr defTabSz="457200">
-              <a:defRPr sz="1300">
-                <a:latin typeface="Monaco"/>
-                <a:ea typeface="Monaco"/>
-                <a:cs typeface="Monaco"/>
-                <a:sym typeface="Monaco"/>
-              </a:defRPr>
-            </a:lvl1pPr>
-          </a:lstStyle>
-          <a:p>
-            <a:pPr lvl="0">
-              <a:defRPr sz="1800"/>
-            </a:pPr>
-            <a:r>
-              <a:rPr sz="1300"/>
-              <a:t>ExecutorService</a:t>
-            </a:r>
-          </a:p>
-        </p:txBody>
-      </p:sp>
-      <p:sp>
-        <p:nvSpPr>
-          <p:cNvPr id="89" name="Shape 89"/>
+          <p:cNvPr id="121" name="Shape 121"/>
           <p:cNvSpPr/>
           <p:nvPr/>
         </p:nvSpPr>
         <p:spPr>
           <a:xfrm>
             <a:off x="691660" y="2248091"/>
-            <a:ext cx="11558017" cy="3378201"/>
+            <a:ext cx="11406684" cy="3378201"/>
           </a:xfrm>
           <a:prstGeom prst="rect">
             <a:avLst/>
@@ -2999,57 +4698,88 @@
             </a:pPr>
             <a:r>
               <a:rPr sz="3600"/>
+              <a:t>(1)no need to write the code about the thread creation,</a:t>
+            </a:r>
+            <a:endParaRPr sz="3600"/>
+          </a:p>
+          <a:p>
+            <a:pPr lvl="0">
+              <a:defRPr sz="1800"/>
+            </a:pPr>
+            <a:r>
+              <a:rPr sz="3600"/>
+              <a:t>ending and result get(Callable interface)</a:t>
+            </a:r>
+            <a:endParaRPr sz="3600"/>
+          </a:p>
+          <a:p>
+            <a:pPr lvl="0">
+              <a:defRPr sz="1800"/>
+            </a:pPr>
+            <a:endParaRPr sz="3600"/>
+          </a:p>
+          <a:p>
+            <a:pPr lvl="0">
+              <a:defRPr sz="1800"/>
+            </a:pPr>
+            <a:r>
+              <a:rPr sz="3600"/>
+              <a:t>(2)no need to create the Thread Object</a:t>
+            </a:r>
+            <a:endParaRPr sz="3600"/>
+          </a:p>
+          <a:p>
+            <a:pPr lvl="0">
+              <a:defRPr sz="1800"/>
+            </a:pPr>
+            <a:endParaRPr sz="3600"/>
+          </a:p>
+          <a:p>
+            <a:pPr lvl="0">
+              <a:defRPr sz="1800"/>
+            </a:pPr>
+            <a:r>
+              <a:rPr sz="3600"/>
+              <a:t>(3)have better management of the computer resources</a:t>
+            </a:r>
+          </a:p>
+        </p:txBody>
+      </p:sp>
+      <p:sp>
+        <p:nvSpPr>
+          <p:cNvPr id="122" name="Shape 122"/>
+          <p:cNvSpPr/>
+          <p:nvPr/>
+        </p:nvSpPr>
+        <p:spPr>
+          <a:xfrm>
+            <a:off x="710654" y="1048491"/>
+            <a:ext cx="6695238" cy="647701"/>
+          </a:xfrm>
+          <a:prstGeom prst="rect">
+            <a:avLst/>
+          </a:prstGeom>
+          <a:ln w="12700">
+            <a:miter lim="400000"/>
+          </a:ln>
+          <a:extLst>
+            <a:ext uri="{C572A759-6A51-4108-AA02-DFA0A04FC94B}">
+              <ma14:wrappingTextBoxFlag xmlns:ma14="http://schemas.microsoft.com/office/mac/drawingml/2011/main" val="1"/>
+            </a:ext>
+          </a:extLst>
+        </p:spPr>
+        <p:txBody>
+          <a:bodyPr wrap="none" lIns="50800" tIns="50800" rIns="50800" bIns="50800" anchor="ctr">
+            <a:spAutoFit/>
+          </a:bodyPr>
+          <a:lstStyle/>
+          <a:p>
+            <a:pPr lvl="0">
+              <a:defRPr sz="1800"/>
+            </a:pPr>
+            <a:r>
+              <a:rPr sz="3600"/>
               <a:t>benefits of Executor Framework:</a:t>
-            </a:r>
-            <a:endParaRPr sz="3600"/>
-          </a:p>
-          <a:p>
-            <a:pPr lvl="0">
-              <a:defRPr sz="1800"/>
-            </a:pPr>
-            <a:r>
-              <a:rPr sz="3600"/>
-              <a:t>(1)no need to write the code about the thread creation,</a:t>
-            </a:r>
-            <a:endParaRPr sz="3600"/>
-          </a:p>
-          <a:p>
-            <a:pPr lvl="0">
-              <a:defRPr sz="1800"/>
-            </a:pPr>
-            <a:r>
-              <a:rPr sz="3600"/>
-              <a:t>ending and result get;</a:t>
-            </a:r>
-            <a:endParaRPr sz="3600"/>
-          </a:p>
-          <a:p>
-            <a:pPr lvl="0">
-              <a:defRPr sz="1800"/>
-            </a:pPr>
-            <a:r>
-              <a:rPr sz="3600"/>
-              <a:t>(2)no need to create the Thread Object;</a:t>
-            </a:r>
-            <a:endParaRPr sz="3600"/>
-          </a:p>
-          <a:p>
-            <a:pPr lvl="0">
-              <a:defRPr sz="1800"/>
-            </a:pPr>
-            <a:r>
-              <a:rPr sz="3600"/>
-              <a:t>(3)have better management of the computer resources;</a:t>
-            </a:r>
-            <a:endParaRPr sz="3600"/>
-          </a:p>
-          <a:p>
-            <a:pPr lvl="0">
-              <a:defRPr sz="1800"/>
-            </a:pPr>
-            <a:r>
-              <a:rPr sz="3600"/>
-              <a:t>(4)callable interface</a:t>
             </a:r>
           </a:p>
         </p:txBody>
@@ -3063,7 +4793,7 @@
 </p:sld>
 </file>
 
-<file path=ppt/slides/slide16.xml><?xml version="1.0" encoding="utf-8"?>
+<file path=ppt/slides/slide27.xml><?xml version="1.0" encoding="utf-8"?>
 <p:sld xmlns:a="http://schemas.openxmlformats.org/drawingml/2006/main" xmlns:r="http://schemas.openxmlformats.org/officeDocument/2006/relationships" xmlns:p="http://schemas.openxmlformats.org/presentationml/2006/main" showMasterSp="1" showMasterPhAnim="1">
   <p:cSld>
     <p:spTree>
@@ -3082,7 +4812,7 @@
       </p:grpSpPr>
       <p:graphicFrame>
         <p:nvGraphicFramePr>
-          <p:cNvPr id="91" name="Table 91"/>
+          <p:cNvPr id="124" name="Table 124"/>
           <p:cNvGraphicFramePr/>
           <p:nvPr/>
         </p:nvGraphicFramePr>
@@ -3306,13 +5036,13 @@
       </p:graphicFrame>
       <p:sp>
         <p:nvSpPr>
-          <p:cNvPr id="92" name="Shape 92"/>
+          <p:cNvPr id="125" name="Shape 125"/>
           <p:cNvSpPr/>
           <p:nvPr/>
         </p:nvSpPr>
         <p:spPr>
           <a:xfrm>
-            <a:off x="691660" y="944023"/>
+            <a:off x="710654" y="1428378"/>
             <a:ext cx="6178602" cy="647701"/>
           </a:xfrm>
           <a:prstGeom prst="rect">
@@ -3352,7 +5082,7 @@
 </p:sld>
 </file>
 
-<file path=ppt/slides/slide17.xml><?xml version="1.0" encoding="utf-8"?>
+<file path=ppt/slides/slide28.xml><?xml version="1.0" encoding="utf-8"?>
 <p:sld xmlns:a="http://schemas.openxmlformats.org/drawingml/2006/main" xmlns:r="http://schemas.openxmlformats.org/officeDocument/2006/relationships" xmlns:p="http://schemas.openxmlformats.org/presentationml/2006/main" showMasterSp="1" showMasterPhAnim="1">
   <p:cSld>
     <p:spTree>
@@ -3371,7 +5101,7 @@
       </p:grpSpPr>
       <p:sp>
         <p:nvSpPr>
-          <p:cNvPr id="94" name="Shape 94"/>
+          <p:cNvPr id="127" name="Shape 127"/>
           <p:cNvSpPr/>
           <p:nvPr/>
         </p:nvSpPr>
@@ -3419,14 +5149,14 @@
       </p:sp>
       <p:sp>
         <p:nvSpPr>
-          <p:cNvPr id="95" name="Shape 95"/>
+          <p:cNvPr id="128" name="Shape 128"/>
           <p:cNvSpPr/>
           <p:nvPr/>
         </p:nvSpPr>
         <p:spPr>
           <a:xfrm>
-            <a:off x="1396720" y="2336799"/>
-            <a:ext cx="6661862" cy="1739901"/>
+            <a:off x="779404" y="2543344"/>
+            <a:ext cx="8007859" cy="3378201"/>
           </a:xfrm>
           <a:prstGeom prst="rect">
             <a:avLst/>
@@ -3456,6 +5186,26 @@
             <a:endParaRPr sz="3600"/>
           </a:p>
           <a:p>
+            <a:pPr lvl="2">
+              <a:defRPr sz="1800"/>
+            </a:pPr>
+            <a:r>
+              <a:rPr sz="3600"/>
+              <a:t>(1)test bounded buffer</a:t>
+            </a:r>
+            <a:endParaRPr sz="3600"/>
+          </a:p>
+          <a:p>
+            <a:pPr lvl="2">
+              <a:defRPr sz="1800"/>
+            </a:pPr>
+            <a:r>
+              <a:rPr sz="3600"/>
+              <a:t>(2)test the producer&amp;&amp;consumers</a:t>
+            </a:r>
+            <a:endParaRPr sz="3600"/>
+          </a:p>
+          <a:p>
             <a:pPr lvl="0">
               <a:defRPr sz="1800"/>
             </a:pPr>
@@ -3468,6 +5218,16 @@
             <a:r>
               <a:rPr sz="3600"/>
               <a:t>2:test for performance</a:t>
+            </a:r>
+            <a:endParaRPr sz="3600"/>
+          </a:p>
+          <a:p>
+            <a:pPr lvl="2">
+              <a:defRPr sz="1800"/>
+            </a:pPr>
+            <a:r>
+              <a:rPr sz="3600"/>
+              <a:t>(1)concurrentHashMap&amp;&amp;Hashtable</a:t>
             </a:r>
           </a:p>
         </p:txBody>
@@ -3481,7 +5241,7 @@
 </p:sld>
 </file>
 
-<file path=ppt/slides/slide18.xml><?xml version="1.0" encoding="utf-8"?>
+<file path=ppt/slides/slide29.xml><?xml version="1.0" encoding="utf-8"?>
 <p:sld xmlns:a="http://schemas.openxmlformats.org/drawingml/2006/main" xmlns:r="http://schemas.openxmlformats.org/officeDocument/2006/relationships" xmlns:p="http://schemas.openxmlformats.org/presentationml/2006/main" showMasterSp="1" showMasterPhAnim="1">
   <p:cSld>
     <p:spTree>
@@ -3500,14 +5260,62 @@
       </p:grpSpPr>
       <p:sp>
         <p:nvSpPr>
-          <p:cNvPr id="97" name="Shape 97"/>
+          <p:cNvPr id="130" name="Shape 130"/>
           <p:cNvSpPr/>
           <p:nvPr/>
         </p:nvSpPr>
         <p:spPr>
           <a:xfrm>
-            <a:off x="739146" y="526147"/>
-            <a:ext cx="7066941" cy="647701"/>
+            <a:off x="477828" y="424547"/>
+            <a:ext cx="7507636" cy="647701"/>
+          </a:xfrm>
+          <a:prstGeom prst="rect">
+            <a:avLst/>
+          </a:prstGeom>
+          <a:ln w="12700">
+            <a:miter lim="400000"/>
+          </a:ln>
+          <a:extLst>
+            <a:ext uri="{C572A759-6A51-4108-AA02-DFA0A04FC94B}">
+              <ma14:wrappingTextBoxFlag xmlns:ma14="http://schemas.microsoft.com/office/mac/drawingml/2011/main" val="1"/>
+            </a:ext>
+          </a:extLst>
+        </p:spPr>
+        <p:txBody>
+          <a:bodyPr wrap="none" lIns="50800" tIns="50800" rIns="50800" bIns="50800" anchor="ctr">
+            <a:spAutoFit/>
+          </a:bodyPr>
+          <a:lstStyle>
+            <a:lvl1pPr algn="ctr">
+              <a:defRPr b="1">
+                <a:latin typeface="Helvetica"/>
+                <a:ea typeface="Helvetica"/>
+                <a:cs typeface="Helvetica"/>
+                <a:sym typeface="Helvetica"/>
+              </a:defRPr>
+            </a:lvl1pPr>
+          </a:lstStyle>
+          <a:p>
+            <a:pPr lvl="0">
+              <a:defRPr b="0" sz="1800"/>
+            </a:pPr>
+            <a:r>
+              <a:rPr b="1" sz="3600"/>
+              <a:t>Classic problems &amp;&amp; used in RDS</a:t>
+            </a:r>
+          </a:p>
+        </p:txBody>
+      </p:sp>
+      <p:sp>
+        <p:nvSpPr>
+          <p:cNvPr id="131" name="Shape 131"/>
+          <p:cNvSpPr/>
+          <p:nvPr/>
+        </p:nvSpPr>
+        <p:spPr>
+          <a:xfrm>
+            <a:off x="720151" y="2303429"/>
+            <a:ext cx="11347401" cy="1917701"/>
           </a:xfrm>
           <a:prstGeom prst="rect">
             <a:avLst/>
@@ -3532,46 +5340,17 @@
             </a:pPr>
             <a:r>
               <a:rPr sz="3600"/>
-              <a:t>Classic problems &amp;&amp; used in RDS</a:t>
-            </a:r>
-          </a:p>
-        </p:txBody>
-      </p:sp>
-      <p:sp>
-        <p:nvSpPr>
-          <p:cNvPr id="98" name="Shape 98"/>
-          <p:cNvSpPr/>
-          <p:nvPr/>
-        </p:nvSpPr>
-        <p:spPr>
-          <a:xfrm>
-            <a:off x="720151" y="2303429"/>
-            <a:ext cx="6748883" cy="1917701"/>
-          </a:xfrm>
-          <a:prstGeom prst="rect">
-            <a:avLst/>
-          </a:prstGeom>
-          <a:ln w="12700">
-            <a:miter lim="400000"/>
-          </a:ln>
-          <a:extLst>
-            <a:ext uri="{C572A759-6A51-4108-AA02-DFA0A04FC94B}">
-              <ma14:wrappingTextBoxFlag xmlns:ma14="http://schemas.microsoft.com/office/mac/drawingml/2011/main" val="1"/>
-            </a:ext>
-          </a:extLst>
-        </p:spPr>
-        <p:txBody>
-          <a:bodyPr wrap="none" lIns="50800" tIns="50800" rIns="50800" bIns="50800" anchor="ctr">
-            <a:spAutoFit/>
-          </a:bodyPr>
-          <a:lstStyle/>
+              <a:t>(1)Producer&amp;&amp;Consumer</a:t>
+            </a:r>
+            <a:endParaRPr sz="3600"/>
+          </a:p>
           <a:p>
             <a:pPr lvl="0">
               <a:defRPr sz="1800"/>
             </a:pPr>
             <a:r>
               <a:rPr sz="3600"/>
-              <a:t>(1)Producer&amp;&amp;Consumer</a:t>
+              <a:t>(2)Reader&amp;&amp;Writer</a:t>
             </a:r>
             <a:endParaRPr sz="3600"/>
           </a:p>
@@ -3581,17 +5360,7 @@
             </a:pPr>
             <a:r>
               <a:rPr sz="3600"/>
-              <a:t>(2)DeadLock</a:t>
-            </a:r>
-            <a:endParaRPr sz="3600"/>
-          </a:p>
-          <a:p>
-            <a:pPr lvl="0">
-              <a:defRPr sz="1800"/>
-            </a:pPr>
-            <a:r>
-              <a:rPr sz="3600"/>
-              <a:t>(3)Dining Philosophers Problem </a:t>
+              <a:t>(3)Dining Philosophers Problem(Deadlock&amp;&amp;Solutions)</a:t>
             </a:r>
             <a:endParaRPr sz="1200">
               <a:latin typeface="Times"/>
@@ -3599,436 +5368,6 @@
               <a:cs typeface="Times"/>
               <a:sym typeface="Times"/>
             </a:endParaRPr>
-          </a:p>
-        </p:txBody>
-      </p:sp>
-    </p:spTree>
-  </p:cSld>
-  <p:clrMapOvr>
-    <a:masterClrMapping/>
-  </p:clrMapOvr>
-  <p:transition spd="med" advClick="1"/>
-</p:sld>
-</file>
-
-<file path=ppt/slides/slide19.xml><?xml version="1.0" encoding="utf-8"?>
-<p:sld xmlns:a="http://schemas.openxmlformats.org/drawingml/2006/main" xmlns:r="http://schemas.openxmlformats.org/officeDocument/2006/relationships" xmlns:p="http://schemas.openxmlformats.org/presentationml/2006/main" showMasterSp="1" showMasterPhAnim="1">
-  <p:cSld>
-    <p:spTree>
-      <p:nvGrpSpPr>
-        <p:cNvPr id="1" name=""/>
-        <p:cNvGrpSpPr/>
-        <p:nvPr/>
-      </p:nvGrpSpPr>
-      <p:grpSpPr>
-        <a:xfrm>
-          <a:off x="0" y="0"/>
-          <a:ext cx="0" cy="0"/>
-          <a:chOff x="0" y="0"/>
-          <a:chExt cx="0" cy="0"/>
-        </a:xfrm>
-      </p:grpSpPr>
-      <p:sp>
-        <p:nvSpPr>
-          <p:cNvPr id="100" name="Shape 100"/>
-          <p:cNvSpPr/>
-          <p:nvPr/>
-        </p:nvSpPr>
-        <p:spPr>
-          <a:xfrm>
-            <a:off x="1280485" y="982011"/>
-            <a:ext cx="2342694" cy="647701"/>
-          </a:xfrm>
-          <a:prstGeom prst="rect">
-            <a:avLst/>
-          </a:prstGeom>
-          <a:ln w="12700">
-            <a:miter lim="400000"/>
-          </a:ln>
-          <a:extLst>
-            <a:ext uri="{C572A759-6A51-4108-AA02-DFA0A04FC94B}">
-              <ma14:wrappingTextBoxFlag xmlns:ma14="http://schemas.microsoft.com/office/mac/drawingml/2011/main" val="1"/>
-            </a:ext>
-          </a:extLst>
-        </p:spPr>
-        <p:txBody>
-          <a:bodyPr wrap="none" lIns="50800" tIns="50800" rIns="50800" bIns="50800" anchor="ctr">
-            <a:spAutoFit/>
-          </a:bodyPr>
-          <a:lstStyle/>
-          <a:p>
-            <a:pPr lvl="0">
-              <a:defRPr sz="1800"/>
-            </a:pPr>
-            <a:r>
-              <a:rPr sz="3600"/>
-              <a:t>Reference:</a:t>
-            </a:r>
-          </a:p>
-        </p:txBody>
-      </p:sp>
-    </p:spTree>
-  </p:cSld>
-  <p:clrMapOvr>
-    <a:masterClrMapping/>
-  </p:clrMapOvr>
-  <p:transition spd="med" advClick="1"/>
-</p:sld>
-</file>
-
-<file path=ppt/slides/slide2.xml><?xml version="1.0" encoding="utf-8"?>
-<p:sld xmlns:a="http://schemas.openxmlformats.org/drawingml/2006/main" xmlns:r="http://schemas.openxmlformats.org/officeDocument/2006/relationships" xmlns:p="http://schemas.openxmlformats.org/presentationml/2006/main" showMasterSp="1" showMasterPhAnim="1">
-  <p:cSld>
-    <p:spTree>
-      <p:nvGrpSpPr>
-        <p:cNvPr id="1" name=""/>
-        <p:cNvGrpSpPr/>
-        <p:nvPr/>
-      </p:nvGrpSpPr>
-      <p:grpSpPr>
-        <a:xfrm>
-          <a:off x="0" y="0"/>
-          <a:ext cx="0" cy="0"/>
-          <a:chOff x="0" y="0"/>
-          <a:chExt cx="0" cy="0"/>
-        </a:xfrm>
-      </p:grpSpPr>
-      <p:sp>
-        <p:nvSpPr>
-          <p:cNvPr id="35" name="Shape 35"/>
-          <p:cNvSpPr/>
-          <p:nvPr/>
-        </p:nvSpPr>
-        <p:spPr>
-          <a:xfrm>
-            <a:off x="584200" y="457200"/>
-            <a:ext cx="1867662" cy="647701"/>
-          </a:xfrm>
-          <a:prstGeom prst="rect">
-            <a:avLst/>
-          </a:prstGeom>
-          <a:ln w="12700">
-            <a:miter lim="400000"/>
-          </a:ln>
-          <a:extLst>
-            <a:ext uri="{C572A759-6A51-4108-AA02-DFA0A04FC94B}">
-              <ma14:wrappingTextBoxFlag xmlns:ma14="http://schemas.microsoft.com/office/mac/drawingml/2011/main" val="1"/>
-            </a:ext>
-          </a:extLst>
-        </p:spPr>
-        <p:txBody>
-          <a:bodyPr wrap="none" lIns="50800" tIns="50800" rIns="50800" bIns="50800" anchor="ctr">
-            <a:spAutoFit/>
-          </a:bodyPr>
-          <a:lstStyle/>
-          <a:p>
-            <a:pPr lvl="0">
-              <a:defRPr sz="1800"/>
-            </a:pPr>
-            <a:r>
-              <a:rPr sz="3600"/>
-              <a:t>Agenda:</a:t>
-            </a:r>
-          </a:p>
-        </p:txBody>
-      </p:sp>
-      <p:sp>
-        <p:nvSpPr>
-          <p:cNvPr id="36" name="Shape 36"/>
-          <p:cNvSpPr/>
-          <p:nvPr/>
-        </p:nvSpPr>
-        <p:spPr>
-          <a:xfrm>
-            <a:off x="2146300" y="1517650"/>
-            <a:ext cx="5595214" cy="647701"/>
-          </a:xfrm>
-          <a:prstGeom prst="rect">
-            <a:avLst/>
-          </a:prstGeom>
-          <a:ln w="12700">
-            <a:miter lim="400000"/>
-          </a:ln>
-          <a:extLst>
-            <a:ext uri="{C572A759-6A51-4108-AA02-DFA0A04FC94B}">
-              <ma14:wrappingTextBoxFlag xmlns:ma14="http://schemas.microsoft.com/office/mac/drawingml/2011/main" val="1"/>
-            </a:ext>
-          </a:extLst>
-        </p:spPr>
-        <p:txBody>
-          <a:bodyPr wrap="none" lIns="50800" tIns="50800" rIns="50800" bIns="50800" anchor="ctr">
-            <a:spAutoFit/>
-          </a:bodyPr>
-          <a:lstStyle/>
-          <a:p>
-            <a:pPr lvl="0">
-              <a:defRPr sz="1800"/>
-            </a:pPr>
-            <a:r>
-              <a:rPr sz="3600"/>
-              <a:t>1:basic concepts of thread</a:t>
-            </a:r>
-          </a:p>
-        </p:txBody>
-      </p:sp>
-      <p:sp>
-        <p:nvSpPr>
-          <p:cNvPr id="37" name="Shape 37"/>
-          <p:cNvSpPr/>
-          <p:nvPr/>
-        </p:nvSpPr>
-        <p:spPr>
-          <a:xfrm>
-            <a:off x="2222245" y="2689225"/>
-            <a:ext cx="6839713" cy="647701"/>
-          </a:xfrm>
-          <a:prstGeom prst="rect">
-            <a:avLst/>
-          </a:prstGeom>
-          <a:ln w="12700">
-            <a:miter lim="400000"/>
-          </a:ln>
-          <a:extLst>
-            <a:ext uri="{C572A759-6A51-4108-AA02-DFA0A04FC94B}">
-              <ma14:wrappingTextBoxFlag xmlns:ma14="http://schemas.microsoft.com/office/mac/drawingml/2011/main" val="1"/>
-            </a:ext>
-          </a:extLst>
-        </p:spPr>
-        <p:txBody>
-          <a:bodyPr wrap="none" lIns="50800" tIns="50800" rIns="50800" bIns="50800" anchor="ctr">
-            <a:spAutoFit/>
-          </a:bodyPr>
-          <a:lstStyle/>
-          <a:p>
-            <a:pPr lvl="0">
-              <a:defRPr sz="1800"/>
-            </a:pPr>
-            <a:r>
-              <a:rPr sz="3600"/>
-              <a:t>2:basic synchronisation methods</a:t>
-            </a:r>
-          </a:p>
-        </p:txBody>
-      </p:sp>
-      <p:sp>
-        <p:nvSpPr>
-          <p:cNvPr id="38" name="Shape 38"/>
-          <p:cNvSpPr/>
-          <p:nvPr/>
-        </p:nvSpPr>
-        <p:spPr>
-          <a:xfrm>
-            <a:off x="2250991" y="5016500"/>
-            <a:ext cx="4629151" cy="647701"/>
-          </a:xfrm>
-          <a:prstGeom prst="rect">
-            <a:avLst/>
-          </a:prstGeom>
-          <a:ln w="12700">
-            <a:miter lim="400000"/>
-          </a:ln>
-          <a:extLst>
-            <a:ext uri="{C572A759-6A51-4108-AA02-DFA0A04FC94B}">
-              <ma14:wrappingTextBoxFlag xmlns:ma14="http://schemas.microsoft.com/office/mac/drawingml/2011/main" val="1"/>
-            </a:ext>
-          </a:extLst>
-        </p:spPr>
-        <p:txBody>
-          <a:bodyPr wrap="none" lIns="50800" tIns="50800" rIns="50800" bIns="50800" anchor="ctr">
-            <a:spAutoFit/>
-          </a:bodyPr>
-          <a:lstStyle/>
-          <a:p>
-            <a:pPr lvl="0">
-              <a:defRPr sz="1800"/>
-            </a:pPr>
-            <a:r>
-              <a:rPr sz="3600"/>
-              <a:t>4:thread management</a:t>
-            </a:r>
-          </a:p>
-        </p:txBody>
-      </p:sp>
-      <p:sp>
-        <p:nvSpPr>
-          <p:cNvPr id="39" name="Shape 39"/>
-          <p:cNvSpPr/>
-          <p:nvPr/>
-        </p:nvSpPr>
-        <p:spPr>
-          <a:xfrm>
-            <a:off x="2260600" y="3852862"/>
-            <a:ext cx="5366614" cy="647701"/>
-          </a:xfrm>
-          <a:prstGeom prst="rect">
-            <a:avLst/>
-          </a:prstGeom>
-          <a:ln w="12700">
-            <a:miter lim="400000"/>
-          </a:ln>
-          <a:extLst>
-            <a:ext uri="{C572A759-6A51-4108-AA02-DFA0A04FC94B}">
-              <ma14:wrappingTextBoxFlag xmlns:ma14="http://schemas.microsoft.com/office/mac/drawingml/2011/main" val="1"/>
-            </a:ext>
-          </a:extLst>
-        </p:spPr>
-        <p:txBody>
-          <a:bodyPr wrap="none" lIns="50800" tIns="50800" rIns="50800" bIns="50800" anchor="ctr">
-            <a:spAutoFit/>
-          </a:bodyPr>
-          <a:lstStyle/>
-          <a:p>
-            <a:pPr lvl="0">
-              <a:defRPr sz="1800"/>
-            </a:pPr>
-            <a:r>
-              <a:rPr sz="3600"/>
-              <a:t>3:concurrency collections</a:t>
-            </a:r>
-          </a:p>
-        </p:txBody>
-      </p:sp>
-      <p:sp>
-        <p:nvSpPr>
-          <p:cNvPr id="40" name="Shape 40"/>
-          <p:cNvSpPr/>
-          <p:nvPr/>
-        </p:nvSpPr>
-        <p:spPr>
-          <a:xfrm>
-            <a:off x="2286000" y="6076950"/>
-            <a:ext cx="3918204" cy="647701"/>
-          </a:xfrm>
-          <a:prstGeom prst="rect">
-            <a:avLst/>
-          </a:prstGeom>
-          <a:ln w="12700">
-            <a:miter lim="400000"/>
-          </a:ln>
-          <a:extLst>
-            <a:ext uri="{C572A759-6A51-4108-AA02-DFA0A04FC94B}">
-              <ma14:wrappingTextBoxFlag xmlns:ma14="http://schemas.microsoft.com/office/mac/drawingml/2011/main" val="1"/>
-            </a:ext>
-          </a:extLst>
-        </p:spPr>
-        <p:txBody>
-          <a:bodyPr wrap="none" lIns="50800" tIns="50800" rIns="50800" bIns="50800" anchor="ctr">
-            <a:spAutoFit/>
-          </a:bodyPr>
-          <a:lstStyle/>
-          <a:p>
-            <a:pPr lvl="0">
-              <a:defRPr sz="1800"/>
-            </a:pPr>
-            <a:r>
-              <a:rPr sz="3600"/>
-              <a:t>5:concurrency test</a:t>
-            </a:r>
-          </a:p>
-        </p:txBody>
-      </p:sp>
-      <p:sp>
-        <p:nvSpPr>
-          <p:cNvPr id="41" name="Shape 41"/>
-          <p:cNvSpPr/>
-          <p:nvPr>
-            <p:ph type="sldNum" sz="quarter" idx="4294967295"/>
-          </p:nvPr>
-        </p:nvSpPr>
-        <p:spPr>
-          <a:xfrm>
-            <a:off x="6375349" y="9251950"/>
-            <a:ext cx="241402" cy="381000"/>
-          </a:xfrm>
-          <a:prstGeom prst="rect">
-            <a:avLst/>
-          </a:prstGeom>
-          <a:ln w="12700">
-            <a:miter lim="400000"/>
-          </a:ln>
-          <a:extLst>
-            <a:ext uri="{C572A759-6A51-4108-AA02-DFA0A04FC94B}">
-              <ma14:wrappingTextBoxFlag xmlns:ma14="http://schemas.microsoft.com/office/mac/drawingml/2011/main" val="1"/>
-            </a:ext>
-          </a:extLst>
-        </p:spPr>
-        <p:txBody>
-          <a:bodyPr wrap="none" lIns="0" tIns="0" rIns="0" bIns="0">
-            <a:spAutoFit/>
-          </a:bodyPr>
-          <a:lstStyle>
-            <a:lvl1pPr algn="ctr">
-              <a:defRPr sz="1800"/>
-            </a:lvl1pPr>
-          </a:lstStyle>
-          <a:p>
-            <a:pPr lvl="0"/>
-            <a:fld id="{86CB4B4D-7CA3-9044-876B-883B54F8677D}" type="slidenum"/>
-          </a:p>
-        </p:txBody>
-      </p:sp>
-    </p:spTree>
-  </p:cSld>
-  <p:clrMapOvr>
-    <a:masterClrMapping/>
-  </p:clrMapOvr>
-  <p:transition spd="med" advClick="1"/>
-</p:sld>
-</file>
-
-<file path=ppt/slides/slide20.xml><?xml version="1.0" encoding="utf-8"?>
-<p:sld xmlns:a="http://schemas.openxmlformats.org/drawingml/2006/main" xmlns:r="http://schemas.openxmlformats.org/officeDocument/2006/relationships" xmlns:p="http://schemas.openxmlformats.org/presentationml/2006/main" showMasterSp="1" showMasterPhAnim="1">
-  <p:cSld>
-    <p:spTree>
-      <p:nvGrpSpPr>
-        <p:cNvPr id="1" name=""/>
-        <p:cNvGrpSpPr/>
-        <p:nvPr/>
-      </p:nvGrpSpPr>
-      <p:grpSpPr>
-        <a:xfrm>
-          <a:off x="0" y="0"/>
-          <a:ext cx="0" cy="0"/>
-          <a:chOff x="0" y="0"/>
-          <a:chExt cx="0" cy="0"/>
-        </a:xfrm>
-      </p:grpSpPr>
-      <p:sp>
-        <p:nvSpPr>
-          <p:cNvPr id="102" name="Shape 102"/>
-          <p:cNvSpPr/>
-          <p:nvPr/>
-        </p:nvSpPr>
-        <p:spPr>
-          <a:xfrm>
-            <a:off x="4879914" y="4552950"/>
-            <a:ext cx="2096721" cy="647701"/>
-          </a:xfrm>
-          <a:prstGeom prst="rect">
-            <a:avLst/>
-          </a:prstGeom>
-          <a:ln w="12700">
-            <a:miter lim="400000"/>
-          </a:ln>
-          <a:extLst>
-            <a:ext uri="{C572A759-6A51-4108-AA02-DFA0A04FC94B}">
-              <ma14:wrappingTextBoxFlag xmlns:ma14="http://schemas.microsoft.com/office/mac/drawingml/2011/main" val="1"/>
-            </a:ext>
-          </a:extLst>
-        </p:spPr>
-        <p:txBody>
-          <a:bodyPr wrap="none" lIns="50800" tIns="50800" rIns="50800" bIns="50800" anchor="ctr">
-            <a:spAutoFit/>
-          </a:bodyPr>
-          <a:lstStyle/>
-          <a:p>
-            <a:pPr lvl="0">
-              <a:defRPr sz="1800"/>
-            </a:pPr>
-            <a:r>
-              <a:rPr sz="3600"/>
-              <a:t>thank you</a:t>
-            </a:r>
           </a:p>
         </p:txBody>
       </p:sp>
@@ -4060,7 +5399,7 @@
       </p:grpSpPr>
       <p:sp>
         <p:nvSpPr>
-          <p:cNvPr id="43" name="Shape 43"/>
+          <p:cNvPr id="44" name="Shape 44"/>
           <p:cNvSpPr/>
           <p:nvPr/>
         </p:nvSpPr>
@@ -4119,7 +5458,7 @@
       </p:sp>
       <p:pic>
         <p:nvPicPr>
-          <p:cNvPr id="44" name="Ken_n_dennis.jpg"/>
+          <p:cNvPr id="45" name="Ken_n_dennis.jpg"/>
           <p:cNvPicPr/>
           <p:nvPr/>
         </p:nvPicPr>
@@ -4146,7 +5485,7 @@
       </p:pic>
       <p:sp>
         <p:nvSpPr>
-          <p:cNvPr id="45" name="Shape 45"/>
+          <p:cNvPr id="46" name="Shape 46"/>
           <p:cNvSpPr/>
           <p:nvPr/>
         </p:nvSpPr>
@@ -4219,7 +5558,7 @@
       </p:sp>
       <p:sp>
         <p:nvSpPr>
-          <p:cNvPr id="46" name="Shape 46"/>
+          <p:cNvPr id="47" name="Shape 47"/>
           <p:cNvSpPr/>
           <p:nvPr/>
         </p:nvSpPr>
@@ -4262,6 +5601,136 @@
             <a:r>
               <a:rPr sz="3600"/>
               <a:t>The B programming language</a:t>
+            </a:r>
+          </a:p>
+        </p:txBody>
+      </p:sp>
+    </p:spTree>
+  </p:cSld>
+  <p:clrMapOvr>
+    <a:masterClrMapping/>
+  </p:clrMapOvr>
+  <p:transition spd="med" advClick="1"/>
+</p:sld>
+</file>
+
+<file path=ppt/slides/slide30.xml><?xml version="1.0" encoding="utf-8"?>
+<p:sld xmlns:a="http://schemas.openxmlformats.org/drawingml/2006/main" xmlns:r="http://schemas.openxmlformats.org/officeDocument/2006/relationships" xmlns:p="http://schemas.openxmlformats.org/presentationml/2006/main" showMasterSp="1" showMasterPhAnim="1">
+  <p:cSld>
+    <p:spTree>
+      <p:nvGrpSpPr>
+        <p:cNvPr id="1" name=""/>
+        <p:cNvGrpSpPr/>
+        <p:nvPr/>
+      </p:nvGrpSpPr>
+      <p:grpSpPr>
+        <a:xfrm>
+          <a:off x="0" y="0"/>
+          <a:ext cx="0" cy="0"/>
+          <a:chOff x="0" y="0"/>
+          <a:chExt cx="0" cy="0"/>
+        </a:xfrm>
+      </p:grpSpPr>
+      <p:sp>
+        <p:nvSpPr>
+          <p:cNvPr id="133" name="Shape 133"/>
+          <p:cNvSpPr/>
+          <p:nvPr/>
+        </p:nvSpPr>
+        <p:spPr>
+          <a:xfrm>
+            <a:off x="1280485" y="982011"/>
+            <a:ext cx="2342694" cy="647701"/>
+          </a:xfrm>
+          <a:prstGeom prst="rect">
+            <a:avLst/>
+          </a:prstGeom>
+          <a:ln w="12700">
+            <a:miter lim="400000"/>
+          </a:ln>
+          <a:extLst>
+            <a:ext uri="{C572A759-6A51-4108-AA02-DFA0A04FC94B}">
+              <ma14:wrappingTextBoxFlag xmlns:ma14="http://schemas.microsoft.com/office/mac/drawingml/2011/main" val="1"/>
+            </a:ext>
+          </a:extLst>
+        </p:spPr>
+        <p:txBody>
+          <a:bodyPr wrap="none" lIns="50800" tIns="50800" rIns="50800" bIns="50800" anchor="ctr">
+            <a:spAutoFit/>
+          </a:bodyPr>
+          <a:lstStyle/>
+          <a:p>
+            <a:pPr lvl="0">
+              <a:defRPr sz="1800"/>
+            </a:pPr>
+            <a:r>
+              <a:rPr sz="3600"/>
+              <a:t>Reference:</a:t>
+            </a:r>
+          </a:p>
+        </p:txBody>
+      </p:sp>
+    </p:spTree>
+  </p:cSld>
+  <p:clrMapOvr>
+    <a:masterClrMapping/>
+  </p:clrMapOvr>
+  <p:transition spd="med" advClick="1"/>
+</p:sld>
+</file>
+
+<file path=ppt/slides/slide31.xml><?xml version="1.0" encoding="utf-8"?>
+<p:sld xmlns:a="http://schemas.openxmlformats.org/drawingml/2006/main" xmlns:r="http://schemas.openxmlformats.org/officeDocument/2006/relationships" xmlns:p="http://schemas.openxmlformats.org/presentationml/2006/main" showMasterSp="1" showMasterPhAnim="1">
+  <p:cSld>
+    <p:spTree>
+      <p:nvGrpSpPr>
+        <p:cNvPr id="1" name=""/>
+        <p:cNvGrpSpPr/>
+        <p:nvPr/>
+      </p:nvGrpSpPr>
+      <p:grpSpPr>
+        <a:xfrm>
+          <a:off x="0" y="0"/>
+          <a:ext cx="0" cy="0"/>
+          <a:chOff x="0" y="0"/>
+          <a:chExt cx="0" cy="0"/>
+        </a:xfrm>
+      </p:grpSpPr>
+      <p:sp>
+        <p:nvSpPr>
+          <p:cNvPr id="135" name="Shape 135"/>
+          <p:cNvSpPr/>
+          <p:nvPr/>
+        </p:nvSpPr>
+        <p:spPr>
+          <a:xfrm>
+            <a:off x="4879914" y="4552950"/>
+            <a:ext cx="2096721" cy="647701"/>
+          </a:xfrm>
+          <a:prstGeom prst="rect">
+            <a:avLst/>
+          </a:prstGeom>
+          <a:ln w="12700">
+            <a:miter lim="400000"/>
+          </a:ln>
+          <a:extLst>
+            <a:ext uri="{C572A759-6A51-4108-AA02-DFA0A04FC94B}">
+              <ma14:wrappingTextBoxFlag xmlns:ma14="http://schemas.microsoft.com/office/mac/drawingml/2011/main" val="1"/>
+            </a:ext>
+          </a:extLst>
+        </p:spPr>
+        <p:txBody>
+          <a:bodyPr wrap="none" lIns="50800" tIns="50800" rIns="50800" bIns="50800" anchor="ctr">
+            <a:spAutoFit/>
+          </a:bodyPr>
+          <a:lstStyle/>
+          <a:p>
+            <a:pPr lvl="0">
+              <a:defRPr sz="1800"/>
+            </a:pPr>
+            <a:r>
+              <a:rPr sz="3600"/>
+              <a:t>thank you</a:t>
             </a:r>
           </a:p>
         </p:txBody>
@@ -4294,7 +5763,7 @@
       </p:grpSpPr>
       <p:sp>
         <p:nvSpPr>
-          <p:cNvPr id="48" name="Shape 48"/>
+          <p:cNvPr id="49" name="Shape 49"/>
           <p:cNvSpPr/>
           <p:nvPr/>
         </p:nvSpPr>
@@ -4342,7 +5811,7 @@
       </p:sp>
       <p:sp>
         <p:nvSpPr>
-          <p:cNvPr id="49" name="Shape 49"/>
+          <p:cNvPr id="50" name="Shape 50"/>
           <p:cNvSpPr/>
           <p:nvPr/>
         </p:nvSpPr>
@@ -4385,7 +5854,7 @@
       </p:sp>
       <p:sp>
         <p:nvSpPr>
-          <p:cNvPr id="50" name="Shape 50"/>
+          <p:cNvPr id="51" name="Shape 51"/>
           <p:cNvSpPr/>
           <p:nvPr/>
         </p:nvSpPr>
@@ -4428,7 +5897,7 @@
       </p:sp>
       <p:sp>
         <p:nvSpPr>
-          <p:cNvPr id="51" name="Shape 51"/>
+          <p:cNvPr id="52" name="Shape 52"/>
           <p:cNvSpPr/>
           <p:nvPr/>
         </p:nvSpPr>
@@ -4471,7 +5940,7 @@
       </p:sp>
       <p:pic>
         <p:nvPicPr>
-          <p:cNvPr id="52" name="thread_run_example.png"/>
+          <p:cNvPr id="53" name="thread_run_example.png"/>
           <p:cNvPicPr/>
           <p:nvPr/>
         </p:nvPicPr>
@@ -4524,12 +5993,12 @@
       </p:grpSpPr>
       <p:graphicFrame>
         <p:nvGraphicFramePr>
-          <p:cNvPr id="54" name="Table 54"/>
+          <p:cNvPr id="55" name="Table 55"/>
           <p:cNvGraphicFramePr/>
           <p:nvPr/>
         </p:nvGraphicFramePr>
         <p:xfrm>
-          <a:off x="959602" y="1176290"/>
+          <a:off x="959602" y="1166793"/>
           <a:ext cx="10818493" cy="5559361"/>
         </p:xfrm>
         <a:graphic xmlns:a="http://schemas.openxmlformats.org/drawingml/2006/main">
@@ -4550,7 +6019,7 @@
                     <a:p>
                       <a:pPr lvl="0"/>
                       <a:r>
-                        <a:rPr sz="5544"/>
+                        <a:rPr sz="3600"/>
                         <a:t>multithread comparision</a:t>
                       </a:r>
                     </a:p>
@@ -4696,7 +6165,7 @@
       </p:graphicFrame>
       <p:sp>
         <p:nvSpPr>
-          <p:cNvPr id="55" name="Shape 55"/>
+          <p:cNvPr id="56" name="Shape 56"/>
           <p:cNvSpPr/>
           <p:nvPr/>
         </p:nvSpPr>
@@ -4899,7 +6368,7 @@
       </p:sp>
       <p:sp>
         <p:nvSpPr>
-          <p:cNvPr id="56" name="Shape 56"/>
+          <p:cNvPr id="57" name="Shape 57"/>
           <p:cNvSpPr/>
           <p:nvPr/>
         </p:nvSpPr>
@@ -5005,9 +6474,50 @@
           <a:chExt cx="0" cy="0"/>
         </a:xfrm>
       </p:grpSpPr>
+      <p:sp>
+        <p:nvSpPr>
+          <p:cNvPr id="59" name="Shape 59"/>
+          <p:cNvSpPr/>
+          <p:nvPr/>
+        </p:nvSpPr>
+        <p:spPr>
+          <a:xfrm>
+            <a:off x="2495880" y="1073150"/>
+            <a:ext cx="7733082" cy="647701"/>
+          </a:xfrm>
+          <a:prstGeom prst="rect">
+            <a:avLst/>
+          </a:prstGeom>
+          <a:ln w="12700">
+            <a:miter lim="400000"/>
+          </a:ln>
+          <a:extLst>
+            <a:ext uri="{C572A759-6A51-4108-AA02-DFA0A04FC94B}">
+              <ma14:wrappingTextBoxFlag xmlns:ma14="http://schemas.microsoft.com/office/mac/drawingml/2011/main" val="1"/>
+            </a:ext>
+          </a:extLst>
+        </p:spPr>
+        <p:txBody>
+          <a:bodyPr wrap="none" lIns="50800" tIns="50800" rIns="50800" bIns="50800" anchor="ctr">
+            <a:spAutoFit/>
+          </a:bodyPr>
+          <a:lstStyle>
+            <a:lvl1pPr algn="ctr"/>
+          </a:lstStyle>
+          <a:p>
+            <a:pPr lvl="0">
+              <a:defRPr sz="1800"/>
+            </a:pPr>
+            <a:r>
+              <a:rPr sz="3600"/>
+              <a:t>Two mechanisms of creating threads </a:t>
+            </a:r>
+          </a:p>
+        </p:txBody>
+      </p:sp>
       <p:pic>
         <p:nvPicPr>
-          <p:cNvPr id="58" name="thread_status.png"/>
+          <p:cNvPr id="60" name="pasted-image.png"/>
           <p:cNvPicPr/>
           <p:nvPr/>
         </p:nvPicPr>
@@ -5021,8 +6531,8 @@
         </p:blipFill>
         <p:spPr>
           <a:xfrm>
-            <a:off x="1186721" y="1879704"/>
-            <a:ext cx="10275758" cy="5994192"/>
+            <a:off x="1555750" y="2127250"/>
+            <a:ext cx="9893300" cy="5930900"/>
           </a:xfrm>
           <a:prstGeom prst="rect">
             <a:avLst/>
@@ -5034,14 +6544,14 @@
       </p:pic>
       <p:sp>
         <p:nvSpPr>
-          <p:cNvPr id="59" name="Shape 59"/>
+          <p:cNvPr id="61" name="Shape 61"/>
           <p:cNvSpPr/>
           <p:nvPr/>
         </p:nvSpPr>
         <p:spPr>
           <a:xfrm>
-            <a:off x="4937455" y="505955"/>
-            <a:ext cx="2774290" cy="647701"/>
+            <a:off x="4443044" y="8275843"/>
+            <a:ext cx="3391968" cy="647701"/>
           </a:xfrm>
           <a:prstGeom prst="rect">
             <a:avLst/>
@@ -5066,7 +6576,7 @@
             </a:pPr>
             <a:r>
               <a:rPr sz="3600"/>
-              <a:t>thread status</a:t>
+              <a:t>Which is better?</a:t>
             </a:r>
           </a:p>
         </p:txBody>
@@ -5099,14 +6609,14 @@
       </p:grpSpPr>
       <p:sp>
         <p:nvSpPr>
-          <p:cNvPr id="61" name="Shape 61"/>
+          <p:cNvPr id="63" name="Shape 63"/>
           <p:cNvSpPr/>
           <p:nvPr/>
         </p:nvSpPr>
         <p:spPr>
           <a:xfrm>
-            <a:off x="3273196" y="846141"/>
-            <a:ext cx="6458408" cy="647701"/>
+            <a:off x="3726257" y="584857"/>
+            <a:ext cx="4705503" cy="1193801"/>
           </a:xfrm>
           <a:prstGeom prst="rect">
             <a:avLst/>
@@ -5124,28 +6634,39 @@
           <a:bodyPr wrap="none" lIns="50800" tIns="50800" rIns="50800" bIns="50800" anchor="ctr">
             <a:spAutoFit/>
           </a:bodyPr>
-          <a:lstStyle/>
+          <a:lstStyle>
+            <a:lvl1pPr algn="ctr"/>
+          </a:lstStyle>
           <a:p>
             <a:pPr lvl="0">
               <a:defRPr sz="1800"/>
             </a:pPr>
             <a:r>
               <a:rPr sz="3600"/>
-              <a:t>basic synchronisation methods</a:t>
-            </a:r>
+              <a:t>Java thread life cycle </a:t>
+            </a:r>
+            <a:endParaRPr sz="3600"/>
           </a:p>
         </p:txBody>
       </p:sp>
-      <p:sp>
-        <p:nvSpPr>
-          <p:cNvPr id="62" name="Shape 62"/>
-          <p:cNvSpPr/>
+      <p:pic>
+        <p:nvPicPr>
+          <p:cNvPr id="64" name="pasted-image.png"/>
+          <p:cNvPicPr/>
           <p:nvPr/>
-        </p:nvSpPr>
+        </p:nvPicPr>
+        <p:blipFill>
+          <a:blip r:embed="rId2">
+            <a:extLst/>
+          </a:blip>
+          <a:stretch>
+            <a:fillRect/>
+          </a:stretch>
+        </p:blipFill>
         <p:spPr>
           <a:xfrm>
-            <a:off x="1924807" y="2744812"/>
-            <a:ext cx="6306618" cy="4470401"/>
+            <a:off x="651205" y="1504950"/>
+            <a:ext cx="9867901" cy="7175500"/>
           </a:xfrm>
           <a:prstGeom prst="rect">
             <a:avLst/>
@@ -5153,77 +6674,8 @@
           <a:ln w="12700">
             <a:miter lim="400000"/>
           </a:ln>
-          <a:extLst>
-            <a:ext uri="{C572A759-6A51-4108-AA02-DFA0A04FC94B}">
-              <ma14:wrappingTextBoxFlag xmlns:ma14="http://schemas.microsoft.com/office/mac/drawingml/2011/main" val="1"/>
-            </a:ext>
-          </a:extLst>
         </p:spPr>
-        <p:txBody>
-          <a:bodyPr wrap="none" lIns="50800" tIns="50800" rIns="50800" bIns="50800" anchor="ctr">
-            <a:spAutoFit/>
-          </a:bodyPr>
-          <a:lstStyle/>
-          <a:p>
-            <a:pPr lvl="0">
-              <a:defRPr sz="1800"/>
-            </a:pPr>
-            <a:r>
-              <a:rPr sz="3600"/>
-              <a:t>(1):synchronized &amp;&amp; volatile</a:t>
-            </a:r>
-            <a:endParaRPr sz="3600"/>
-          </a:p>
-          <a:p>
-            <a:pPr lvl="0">
-              <a:defRPr sz="1800"/>
-            </a:pPr>
-            <a:endParaRPr sz="3600"/>
-          </a:p>
-          <a:p>
-            <a:pPr lvl="0">
-              <a:defRPr sz="1800"/>
-            </a:pPr>
-            <a:endParaRPr sz="3600"/>
-          </a:p>
-          <a:p>
-            <a:pPr lvl="0">
-              <a:defRPr sz="1800"/>
-            </a:pPr>
-            <a:r>
-              <a:rPr sz="3600"/>
-              <a:t>(2):Lock</a:t>
-            </a:r>
-            <a:endParaRPr sz="3600"/>
-          </a:p>
-          <a:p>
-            <a:pPr lvl="2">
-              <a:defRPr sz="1800"/>
-            </a:pPr>
-            <a:r>
-              <a:rPr sz="3600"/>
-              <a:t>    ReentrantLock</a:t>
-            </a:r>
-            <a:endParaRPr sz="3600"/>
-          </a:p>
-          <a:p>
-            <a:pPr lvl="2">
-              <a:defRPr sz="1800"/>
-            </a:pPr>
-            <a:r>
-              <a:rPr sz="3600"/>
-              <a:t>    ReentrantReadWriteLock</a:t>
-            </a:r>
-            <a:endParaRPr sz="3600"/>
-          </a:p>
-          <a:p>
-            <a:pPr lvl="0">
-              <a:defRPr sz="1800"/>
-            </a:pPr>
-            <a:endParaRPr sz="3600"/>
-          </a:p>
-        </p:txBody>
-      </p:sp>
+      </p:pic>
     </p:spTree>
   </p:cSld>
   <p:clrMapOvr>
@@ -5252,14 +6704,14 @@
       </p:grpSpPr>
       <p:sp>
         <p:nvSpPr>
-          <p:cNvPr id="64" name="Shape 64"/>
+          <p:cNvPr id="66" name="Shape 66"/>
           <p:cNvSpPr/>
           <p:nvPr/>
         </p:nvSpPr>
         <p:spPr>
           <a:xfrm>
-            <a:off x="2879318" y="812800"/>
-            <a:ext cx="7728967" cy="647701"/>
+            <a:off x="3007275" y="884129"/>
+            <a:ext cx="6458408" cy="647701"/>
           </a:xfrm>
           <a:prstGeom prst="rect">
             <a:avLst/>
@@ -5284,21 +6736,29 @@
             </a:pPr>
             <a:r>
               <a:rPr sz="3600"/>
-              <a:t>basic synchronisation helpful classes</a:t>
+              <a:t>basic synchronisation methods</a:t>
             </a:r>
           </a:p>
         </p:txBody>
       </p:sp>
-      <p:sp>
-        <p:nvSpPr>
-          <p:cNvPr id="65" name="Shape 65"/>
-          <p:cNvSpPr/>
+      <p:pic>
+        <p:nvPicPr>
+          <p:cNvPr id="67" name="pasted-image.png"/>
+          <p:cNvPicPr/>
           <p:nvPr/>
-        </p:nvSpPr>
+        </p:nvPicPr>
+        <p:blipFill>
+          <a:blip r:embed="rId2">
+            <a:extLst/>
+          </a:blip>
+          <a:stretch>
+            <a:fillRect/>
+          </a:stretch>
+        </p:blipFill>
         <p:spPr>
           <a:xfrm>
-            <a:off x="1298100" y="1940905"/>
-            <a:ext cx="4459530" cy="3378201"/>
+            <a:off x="975921" y="2100180"/>
+            <a:ext cx="10236201" cy="6692901"/>
           </a:xfrm>
           <a:prstGeom prst="rect">
             <a:avLst/>
@@ -5306,69 +6766,8 @@
           <a:ln w="12700">
             <a:miter lim="400000"/>
           </a:ln>
-          <a:extLst>
-            <a:ext uri="{C572A759-6A51-4108-AA02-DFA0A04FC94B}">
-              <ma14:wrappingTextBoxFlag xmlns:ma14="http://schemas.microsoft.com/office/mac/drawingml/2011/main" val="1"/>
-            </a:ext>
-          </a:extLst>
         </p:spPr>
-        <p:txBody>
-          <a:bodyPr wrap="none" lIns="50800" tIns="50800" rIns="50800" bIns="50800" anchor="ctr">
-            <a:spAutoFit/>
-          </a:bodyPr>
-          <a:lstStyle/>
-          <a:p>
-            <a:pPr lvl="0">
-              <a:defRPr sz="1800"/>
-            </a:pPr>
-            <a:r>
-              <a:rPr sz="3600"/>
-              <a:t>(1):Semaphore</a:t>
-            </a:r>
-            <a:endParaRPr sz="3600"/>
-          </a:p>
-          <a:p>
-            <a:pPr lvl="0">
-              <a:defRPr sz="1800"/>
-            </a:pPr>
-            <a:r>
-              <a:rPr sz="3600"/>
-              <a:t>(2):CountDownLatch</a:t>
-            </a:r>
-            <a:endParaRPr sz="3600"/>
-          </a:p>
-          <a:p>
-            <a:pPr lvl="0">
-              <a:defRPr sz="1800"/>
-            </a:pPr>
-            <a:r>
-              <a:rPr sz="3600"/>
-              <a:t>(3):CyclicBarrier</a:t>
-            </a:r>
-            <a:endParaRPr sz="3600"/>
-          </a:p>
-          <a:p>
-            <a:pPr lvl="0">
-              <a:defRPr sz="1800"/>
-            </a:pPr>
-            <a:r>
-              <a:rPr sz="3600"/>
-              <a:t>(4):Exchanger</a:t>
-            </a:r>
-            <a:endParaRPr sz="3600"/>
-          </a:p>
-          <a:p>
-            <a:pPr lvl="0">
-              <a:defRPr sz="1800"/>
-            </a:pPr>
-            <a:r>
-              <a:rPr sz="3600"/>
-              <a:t>(5):Phaser(JDK 1.7)</a:t>
-            </a:r>
-            <a:endParaRPr sz="3600"/>
-          </a:p>
-        </p:txBody>
-      </p:sp>
+      </p:pic>
     </p:spTree>
   </p:cSld>
   <p:clrMapOvr>
@@ -5397,14 +6796,14 @@
       </p:grpSpPr>
       <p:sp>
         <p:nvSpPr>
-          <p:cNvPr id="67" name="Shape 67"/>
+          <p:cNvPr id="69" name="Shape 69"/>
           <p:cNvSpPr/>
           <p:nvPr/>
         </p:nvSpPr>
         <p:spPr>
           <a:xfrm>
-            <a:off x="3403634" y="441762"/>
-            <a:ext cx="5373887" cy="647701"/>
+            <a:off x="196407" y="1464077"/>
+            <a:ext cx="13016028" cy="5637765"/>
           </a:xfrm>
           <a:prstGeom prst="rect">
             <a:avLst/>
@@ -5422,54 +6821,186 @@
           <a:bodyPr wrap="none" lIns="50800" tIns="50800" rIns="50800" bIns="50800" anchor="ctr">
             <a:spAutoFit/>
           </a:bodyPr>
-          <a:lstStyle>
-            <a:lvl1pPr algn="ctr">
-              <a:defRPr b="1">
-                <a:latin typeface="Helvetica"/>
-                <a:ea typeface="Helvetica"/>
-                <a:cs typeface="Helvetica"/>
-                <a:sym typeface="Helvetica"/>
-              </a:defRPr>
-            </a:lvl1pPr>
-          </a:lstStyle>
+          <a:lstStyle/>
           <a:p>
             <a:pPr lvl="0">
-              <a:defRPr b="0" sz="1800"/>
-            </a:pPr>
-            <a:r>
-              <a:rPr b="1" sz="3600"/>
-              <a:t>concurrency collections</a:t>
-            </a:r>
+              <a:defRPr sz="1800"/>
+            </a:pPr>
+            <a:r>
+              <a:rPr sz="3600"/>
+              <a:t>(1):synchronized &amp;&amp; volatile</a:t>
+            </a:r>
+            <a:endParaRPr sz="3600"/>
+          </a:p>
+          <a:p>
+            <a:pPr lvl="0" marL="457200" indent="-457200" defTabSz="457200">
+              <a:spcBef>
+                <a:spcPts val="1200"/>
+              </a:spcBef>
+              <a:tabLst>
+                <a:tab pos="139700" algn="l"/>
+                <a:tab pos="457200" algn="l"/>
+              </a:tabLst>
+              <a:defRPr sz="1800"/>
+            </a:pPr>
+            <a:r>
+              <a:rPr sz="1100">
+                <a:solidFill>
+                  <a:srgbClr val="3333B3"/>
+                </a:solidFill>
+                <a:latin typeface="Times"/>
+                <a:ea typeface="Times"/>
+                <a:cs typeface="Times"/>
+                <a:sym typeface="Times"/>
+              </a:rPr>
+              <a:t>		</a:t>
+            </a:r>
+            <a:r>
+              <a:rPr baseline="9090" sz="1100">
+                <a:solidFill>
+                  <a:srgbClr val="3333B3"/>
+                </a:solidFill>
+                <a:latin typeface="Times"/>
+                <a:ea typeface="Times"/>
+                <a:cs typeface="Times"/>
+                <a:sym typeface="Times"/>
+              </a:rPr>
+              <a:t>􏰀 </a:t>
+            </a:r>
+            <a:endParaRPr baseline="9090" sz="1100">
+              <a:solidFill>
+                <a:srgbClr val="3333B3"/>
+              </a:solidFill>
+              <a:latin typeface="Times"/>
+              <a:ea typeface="Times"/>
+              <a:cs typeface="Times"/>
+              <a:sym typeface="Times"/>
+            </a:endParaRPr>
+          </a:p>
+          <a:p>
+            <a:pPr lvl="0" marL="457200" indent="-457200" defTabSz="457200">
+              <a:spcBef>
+                <a:spcPts val="1200"/>
+              </a:spcBef>
+              <a:tabLst>
+                <a:tab pos="139700" algn="l"/>
+                <a:tab pos="457200" algn="l"/>
+              </a:tabLst>
+              <a:defRPr sz="1800"/>
+            </a:pPr>
+            <a:r>
+              <a:rPr baseline="9090" sz="1100">
+                <a:solidFill>
+                  <a:srgbClr val="3333B3"/>
+                </a:solidFill>
+                <a:latin typeface="Times"/>
+                <a:ea typeface="Times"/>
+                <a:cs typeface="Times"/>
+                <a:sym typeface="Times"/>
+              </a:rPr>
+              <a:t> </a:t>
+            </a:r>
+            <a:endParaRPr baseline="9090" sz="1100">
+              <a:solidFill>
+                <a:srgbClr val="3333B3"/>
+              </a:solidFill>
+              <a:latin typeface="Times"/>
+              <a:ea typeface="Times"/>
+              <a:cs typeface="Times"/>
+              <a:sym typeface="Times"/>
+            </a:endParaRPr>
+          </a:p>
+          <a:p>
+            <a:pPr lvl="0" marL="457200" indent="-457200" defTabSz="457200">
+              <a:spcBef>
+                <a:spcPts val="1200"/>
+              </a:spcBef>
+              <a:tabLst>
+                <a:tab pos="139700" algn="l"/>
+                <a:tab pos="457200" algn="l"/>
+              </a:tabLst>
+              <a:defRPr sz="1800"/>
+            </a:pPr>
+            <a:endParaRPr baseline="9090" sz="1100">
+              <a:solidFill>
+                <a:srgbClr val="3333B3"/>
+              </a:solidFill>
+              <a:latin typeface="Times"/>
+              <a:ea typeface="Times"/>
+              <a:cs typeface="Times"/>
+              <a:sym typeface="Times"/>
+            </a:endParaRPr>
+          </a:p>
+          <a:p>
+            <a:pPr lvl="0" marL="457200" indent="-457200" defTabSz="457200">
+              <a:spcBef>
+                <a:spcPts val="1200"/>
+              </a:spcBef>
+              <a:tabLst>
+                <a:tab pos="139700" algn="l"/>
+                <a:tab pos="457200" algn="l"/>
+              </a:tabLst>
+              <a:defRPr sz="1800"/>
+            </a:pPr>
+            <a:r>
+              <a:rPr sz="3600"/>
+              <a:t>Atomicity : An operation is said atomic when it cannot be interrupted. </a:t>
+            </a:r>
+            <a:br>
+              <a:rPr sz="3600"/>
+            </a:br>
+            <a:endParaRPr sz="1200"/>
+          </a:p>
+          <a:p>
+            <a:pPr lvl="0" marL="457200" indent="-457200" defTabSz="457200">
+              <a:spcBef>
+                <a:spcPts val="1200"/>
+              </a:spcBef>
+              <a:tabLst>
+                <a:tab pos="139700" algn="l"/>
+                <a:tab pos="457200" algn="l"/>
+              </a:tabLst>
+              <a:defRPr sz="1800"/>
+            </a:pPr>
+            <a:r>
+              <a:rPr sz="1500">
+                <a:latin typeface="Times"/>
+                <a:ea typeface="Times"/>
+                <a:cs typeface="Times"/>
+                <a:sym typeface="Times"/>
+              </a:rPr>
+              <a:t>  </a:t>
+            </a:r>
+            <a:r>
+              <a:rPr sz="3600"/>
+              <a:t>Visibility: If an action in one thread is visible to another thread, then the result of that action can be observed by the second thread</a:t>
+            </a:r>
+            <a:r>
+              <a:rPr sz="1500">
+                <a:latin typeface="Times"/>
+                <a:ea typeface="Times"/>
+                <a:cs typeface="Times"/>
+                <a:sym typeface="Times"/>
+              </a:rPr>
+              <a:t>. </a:t>
+            </a:r>
+            <a:br>
+              <a:rPr sz="1500">
+                <a:latin typeface="Times"/>
+                <a:ea typeface="Times"/>
+                <a:cs typeface="Times"/>
+                <a:sym typeface="Times"/>
+              </a:rPr>
+            </a:br>
+            <a:endParaRPr sz="1500">
+              <a:latin typeface="Times"/>
+              <a:ea typeface="Times"/>
+              <a:cs typeface="Times"/>
+              <a:sym typeface="Times"/>
+            </a:endParaRPr>
           </a:p>
         </p:txBody>
       </p:sp>
-      <p:pic>
-        <p:nvPicPr>
-          <p:cNvPr id="68" name="Java-Concurrent-Collections.png"/>
-          <p:cNvPicPr/>
-          <p:nvPr/>
-        </p:nvPicPr>
-        <p:blipFill>
-          <a:blip r:embed="rId2">
-            <a:extLst/>
-          </a:blip>
-          <a:stretch>
-            <a:fillRect/>
-          </a:stretch>
-        </p:blipFill>
-        <p:spPr>
-          <a:xfrm>
-            <a:off x="1188377" y="1725568"/>
-            <a:ext cx="9804401" cy="7162801"/>
-          </a:xfrm>
-          <a:prstGeom prst="rect">
-            <a:avLst/>
-          </a:prstGeom>
-          <a:ln w="12700">
-            <a:miter lim="400000"/>
-          </a:ln>
-        </p:spPr>
-      </p:pic>
     </p:spTree>
   </p:cSld>
   <p:clrMapOvr>
